--- a/p03/A-frame-Boolean-operations.pptx
+++ b/p03/A-frame-Boolean-operations.pptx
@@ -5,17 +5,19 @@
     <p:sldMasterId id="2147483660" r:id="rId1"/>
   </p:sldMasterIdLst>
   <p:notesMasterIdLst>
-    <p:notesMasterId r:id="rId10"/>
+    <p:notesMasterId r:id="rId12"/>
   </p:notesMasterIdLst>
   <p:sldIdLst>
     <p:sldId id="285" r:id="rId2"/>
     <p:sldId id="295" r:id="rId3"/>
     <p:sldId id="259" r:id="rId4"/>
-    <p:sldId id="279" r:id="rId5"/>
-    <p:sldId id="283" r:id="rId6"/>
-    <p:sldId id="280" r:id="rId7"/>
-    <p:sldId id="294" r:id="rId8"/>
-    <p:sldId id="293" r:id="rId9"/>
+    <p:sldId id="296" r:id="rId5"/>
+    <p:sldId id="279" r:id="rId6"/>
+    <p:sldId id="283" r:id="rId7"/>
+    <p:sldId id="280" r:id="rId8"/>
+    <p:sldId id="297" r:id="rId9"/>
+    <p:sldId id="294" r:id="rId10"/>
+    <p:sldId id="293" r:id="rId11"/>
   </p:sldIdLst>
   <p:sldSz cx="12192000" cy="6858000"/>
   <p:notesSz cx="7019925" cy="9305925"/>
@@ -204,7 +206,7 @@
           <a:p>
             <a:fld id="{FA1E3CD0-6E24-4AC0-945A-82AEC1490673}" type="datetimeFigureOut">
               <a:rPr lang="en-US" smtClean="0"/>
-              <a:t>6/24/2024</a:t>
+              <a:t>10/19/2024</a:t>
             </a:fld>
             <a:endParaRPr lang="en-US"/>
           </a:p>
@@ -602,7 +604,7 @@
           <a:p>
             <a:fld id="{846CE7D5-CF57-46EF-B807-FDD0502418D4}" type="datetimeFigureOut">
               <a:rPr lang="en-US" smtClean="0"/>
-              <a:t>6/24/2024</a:t>
+              <a:t>10/19/2024</a:t>
             </a:fld>
             <a:endParaRPr lang="en-US"/>
           </a:p>
@@ -772,7 +774,7 @@
           <a:p>
             <a:fld id="{846CE7D5-CF57-46EF-B807-FDD0502418D4}" type="datetimeFigureOut">
               <a:rPr lang="en-US" smtClean="0"/>
-              <a:t>6/24/2024</a:t>
+              <a:t>10/19/2024</a:t>
             </a:fld>
             <a:endParaRPr lang="en-US"/>
           </a:p>
@@ -952,7 +954,7 @@
           <a:p>
             <a:fld id="{846CE7D5-CF57-46EF-B807-FDD0502418D4}" type="datetimeFigureOut">
               <a:rPr lang="en-US" smtClean="0"/>
-              <a:t>6/24/2024</a:t>
+              <a:t>10/19/2024</a:t>
             </a:fld>
             <a:endParaRPr lang="en-US"/>
           </a:p>
@@ -1122,7 +1124,7 @@
           <a:p>
             <a:fld id="{846CE7D5-CF57-46EF-B807-FDD0502418D4}" type="datetimeFigureOut">
               <a:rPr lang="en-US" smtClean="0"/>
-              <a:t>6/24/2024</a:t>
+              <a:t>10/19/2024</a:t>
             </a:fld>
             <a:endParaRPr lang="en-US"/>
           </a:p>
@@ -1368,7 +1370,7 @@
           <a:p>
             <a:fld id="{846CE7D5-CF57-46EF-B807-FDD0502418D4}" type="datetimeFigureOut">
               <a:rPr lang="en-US" smtClean="0"/>
-              <a:t>6/24/2024</a:t>
+              <a:t>10/19/2024</a:t>
             </a:fld>
             <a:endParaRPr lang="en-US"/>
           </a:p>
@@ -1600,7 +1602,7 @@
           <a:p>
             <a:fld id="{846CE7D5-CF57-46EF-B807-FDD0502418D4}" type="datetimeFigureOut">
               <a:rPr lang="en-US" smtClean="0"/>
-              <a:t>6/24/2024</a:t>
+              <a:t>10/19/2024</a:t>
             </a:fld>
             <a:endParaRPr lang="en-US"/>
           </a:p>
@@ -1967,7 +1969,7 @@
           <a:p>
             <a:fld id="{846CE7D5-CF57-46EF-B807-FDD0502418D4}" type="datetimeFigureOut">
               <a:rPr lang="en-US" smtClean="0"/>
-              <a:t>6/24/2024</a:t>
+              <a:t>10/19/2024</a:t>
             </a:fld>
             <a:endParaRPr lang="en-US"/>
           </a:p>
@@ -2085,7 +2087,7 @@
           <a:p>
             <a:fld id="{846CE7D5-CF57-46EF-B807-FDD0502418D4}" type="datetimeFigureOut">
               <a:rPr lang="en-US" smtClean="0"/>
-              <a:t>6/24/2024</a:t>
+              <a:t>10/19/2024</a:t>
             </a:fld>
             <a:endParaRPr lang="en-US"/>
           </a:p>
@@ -2180,7 +2182,7 @@
           <a:p>
             <a:fld id="{846CE7D5-CF57-46EF-B807-FDD0502418D4}" type="datetimeFigureOut">
               <a:rPr lang="en-US" smtClean="0"/>
-              <a:t>6/24/2024</a:t>
+              <a:t>10/19/2024</a:t>
             </a:fld>
             <a:endParaRPr lang="en-US"/>
           </a:p>
@@ -2457,7 +2459,7 @@
           <a:p>
             <a:fld id="{846CE7D5-CF57-46EF-B807-FDD0502418D4}" type="datetimeFigureOut">
               <a:rPr lang="en-US" smtClean="0"/>
-              <a:t>6/24/2024</a:t>
+              <a:t>10/19/2024</a:t>
             </a:fld>
             <a:endParaRPr lang="en-US"/>
           </a:p>
@@ -2714,7 +2716,7 @@
           <a:p>
             <a:fld id="{846CE7D5-CF57-46EF-B807-FDD0502418D4}" type="datetimeFigureOut">
               <a:rPr lang="en-US" smtClean="0"/>
-              <a:t>6/24/2024</a:t>
+              <a:t>10/19/2024</a:t>
             </a:fld>
             <a:endParaRPr lang="en-US"/>
           </a:p>
@@ -2927,7 +2929,7 @@
           <a:p>
             <a:fld id="{846CE7D5-CF57-46EF-B807-FDD0502418D4}" type="datetimeFigureOut">
               <a:rPr lang="en-US" smtClean="0"/>
-              <a:t>6/24/2024</a:t>
+              <a:t>10/19/2024</a:t>
             </a:fld>
             <a:endParaRPr lang="en-US"/>
           </a:p>
@@ -4604,828 +4606,7 @@
 </p:sld>
 </file>
 
-<file path=ppt/slides/slide2.xml><?xml version="1.0" encoding="utf-8"?>
-<p:sld xmlns:a="http://schemas.openxmlformats.org/drawingml/2006/main" xmlns:r="http://schemas.openxmlformats.org/officeDocument/2006/relationships" xmlns:p="http://schemas.openxmlformats.org/presentationml/2006/main">
-  <p:cSld>
-    <p:spTree>
-      <p:nvGrpSpPr>
-        <p:cNvPr id="1" name=""/>
-        <p:cNvGrpSpPr/>
-        <p:nvPr/>
-      </p:nvGrpSpPr>
-      <p:grpSpPr>
-        <a:xfrm>
-          <a:off x="0" y="0"/>
-          <a:ext cx="0" cy="0"/>
-          <a:chOff x="0" y="0"/>
-          <a:chExt cx="0" cy="0"/>
-        </a:xfrm>
-      </p:grpSpPr>
-      <p:sp>
-        <p:nvSpPr>
-          <p:cNvPr id="2" name="Title 1">
-            <a:extLst>
-              <a:ext uri="{FF2B5EF4-FFF2-40B4-BE49-F238E27FC236}">
-                <a16:creationId xmlns:a16="http://schemas.microsoft.com/office/drawing/2014/main" id="{88C28B52-9757-A10E-16AD-A54B262E80E8}"/>
-              </a:ext>
-            </a:extLst>
-          </p:cNvPr>
-          <p:cNvSpPr>
-            <a:spLocks noGrp="1"/>
-          </p:cNvSpPr>
-          <p:nvPr>
-            <p:ph type="title"/>
-          </p:nvPr>
-        </p:nvSpPr>
-        <p:spPr/>
-        <p:txBody>
-          <a:bodyPr/>
-          <a:lstStyle/>
-          <a:p>
-            <a:r>
-              <a:rPr lang="en-US" dirty="0"/>
-              <a:t>Module demo highlights: Intersection</a:t>
-            </a:r>
-          </a:p>
-        </p:txBody>
-      </p:sp>
-      <p:sp>
-        <p:nvSpPr>
-          <p:cNvPr id="3" name="Content Placeholder 2">
-            <a:extLst>
-              <a:ext uri="{FF2B5EF4-FFF2-40B4-BE49-F238E27FC236}">
-                <a16:creationId xmlns:a16="http://schemas.microsoft.com/office/drawing/2014/main" id="{4D99A2B4-9E8C-EA42-3A89-5CE1D5D8B85D}"/>
-              </a:ext>
-            </a:extLst>
-          </p:cNvPr>
-          <p:cNvSpPr>
-            <a:spLocks noGrp="1"/>
-          </p:cNvSpPr>
-          <p:nvPr>
-            <p:ph idx="1"/>
-          </p:nvPr>
-        </p:nvSpPr>
-        <p:spPr/>
-        <p:txBody>
-          <a:bodyPr/>
-          <a:lstStyle/>
-          <a:p>
-            <a:endParaRPr lang="en-US"/>
-          </a:p>
-        </p:txBody>
-      </p:sp>
-    </p:spTree>
-    <p:extLst>
-      <p:ext uri="{BB962C8B-B14F-4D97-AF65-F5344CB8AC3E}">
-        <p14:creationId xmlns:p14="http://schemas.microsoft.com/office/powerpoint/2010/main" val="1486477310"/>
-      </p:ext>
-    </p:extLst>
-  </p:cSld>
-  <p:clrMapOvr>
-    <a:masterClrMapping/>
-  </p:clrMapOvr>
-</p:sld>
-</file>
-
-<file path=ppt/slides/slide3.xml><?xml version="1.0" encoding="utf-8"?>
-<p:sld xmlns:a="http://schemas.openxmlformats.org/drawingml/2006/main" xmlns:r="http://schemas.openxmlformats.org/officeDocument/2006/relationships" xmlns:p="http://schemas.openxmlformats.org/presentationml/2006/main">
-  <p:cSld>
-    <p:spTree>
-      <p:nvGrpSpPr>
-        <p:cNvPr id="1" name=""/>
-        <p:cNvGrpSpPr/>
-        <p:nvPr/>
-      </p:nvGrpSpPr>
-      <p:grpSpPr>
-        <a:xfrm>
-          <a:off x="0" y="0"/>
-          <a:ext cx="0" cy="0"/>
-          <a:chOff x="0" y="0"/>
-          <a:chExt cx="0" cy="0"/>
-        </a:xfrm>
-      </p:grpSpPr>
-      <p:sp>
-        <p:nvSpPr>
-          <p:cNvPr id="2" name="Title 1">
-            <a:extLst>
-              <a:ext uri="{FF2B5EF4-FFF2-40B4-BE49-F238E27FC236}">
-                <a16:creationId xmlns:a16="http://schemas.microsoft.com/office/drawing/2014/main" id="{D0A32E1B-304C-70CA-4FE2-121036B45BBD}"/>
-              </a:ext>
-            </a:extLst>
-          </p:cNvPr>
-          <p:cNvSpPr>
-            <a:spLocks noGrp="1"/>
-          </p:cNvSpPr>
-          <p:nvPr>
-            <p:ph type="title"/>
-          </p:nvPr>
-        </p:nvSpPr>
-        <p:spPr/>
-        <p:txBody>
-          <a:bodyPr/>
-          <a:lstStyle/>
-          <a:p>
-            <a:r>
-              <a:rPr lang="en-US" dirty="0">
-                <a:solidFill>
-                  <a:srgbClr val="0070C0"/>
-                </a:solidFill>
-                <a:ea typeface="Calibri Light"/>
-                <a:cs typeface="Calibri Light"/>
-              </a:rPr>
-              <a:t>Outline</a:t>
-            </a:r>
-            <a:endParaRPr lang="en-US">
-              <a:solidFill>
-                <a:srgbClr val="0070C0"/>
-              </a:solidFill>
-              <a:ea typeface="Calibri Light"/>
-              <a:cs typeface="Calibri Light"/>
-            </a:endParaRPr>
-          </a:p>
-        </p:txBody>
-      </p:sp>
-      <p:sp>
-        <p:nvSpPr>
-          <p:cNvPr id="3" name="Content Placeholder 2">
-            <a:extLst>
-              <a:ext uri="{FF2B5EF4-FFF2-40B4-BE49-F238E27FC236}">
-                <a16:creationId xmlns:a16="http://schemas.microsoft.com/office/drawing/2014/main" id="{0F80D594-86CE-1ED4-994C-042A2971ED94}"/>
-              </a:ext>
-            </a:extLst>
-          </p:cNvPr>
-          <p:cNvSpPr>
-            <a:spLocks noGrp="1"/>
-          </p:cNvSpPr>
-          <p:nvPr>
-            <p:ph idx="1"/>
-          </p:nvPr>
-        </p:nvSpPr>
-        <p:spPr/>
-        <p:txBody>
-          <a:bodyPr vert="horz" lIns="91440" tIns="45720" rIns="91440" bIns="45720" rtlCol="0" anchor="t">
-            <a:normAutofit/>
-          </a:bodyPr>
-          <a:lstStyle/>
-          <a:p>
-            <a:pPr marL="0" indent="0">
-              <a:buNone/>
-            </a:pPr>
-            <a:endParaRPr lang="en-US" dirty="0">
-              <a:ea typeface="Calibri" panose="020F0502020204030204"/>
-              <a:cs typeface="Calibri" panose="020F0502020204030204"/>
-            </a:endParaRPr>
-          </a:p>
-          <a:p>
-            <a:pPr marL="0" indent="0">
-              <a:buNone/>
-            </a:pPr>
-            <a:r>
-              <a:rPr lang="en-US" dirty="0">
-                <a:ea typeface="Calibri" panose="020F0502020204030204"/>
-                <a:cs typeface="Calibri" panose="020F0502020204030204"/>
-              </a:rPr>
-              <a:t>A-frame scenes</a:t>
-            </a:r>
-          </a:p>
-          <a:p>
-            <a:pPr marL="0" indent="0">
-              <a:buNone/>
-            </a:pPr>
-            <a:endParaRPr lang="en-US" dirty="0">
-              <a:ea typeface="Calibri" panose="020F0502020204030204"/>
-              <a:cs typeface="Calibri" panose="020F0502020204030204"/>
-            </a:endParaRPr>
-          </a:p>
-          <a:p>
-            <a:pPr marL="0" indent="0">
-              <a:buNone/>
-            </a:pPr>
-            <a:r>
-              <a:rPr lang="en-US" dirty="0">
-                <a:ea typeface="Calibri" panose="020F0502020204030204"/>
-                <a:cs typeface="Calibri" panose="020F0502020204030204"/>
-              </a:rPr>
-              <a:t>Basic A-frame geometric objects</a:t>
-            </a:r>
-          </a:p>
-          <a:p>
-            <a:pPr marL="0" indent="0">
-              <a:buNone/>
-            </a:pPr>
-            <a:endParaRPr lang="en-US" dirty="0">
-              <a:ea typeface="Calibri" panose="020F0502020204030204"/>
-              <a:cs typeface="Calibri" panose="020F0502020204030204"/>
-            </a:endParaRPr>
-          </a:p>
-          <a:p>
-            <a:pPr marL="0" indent="0">
-              <a:buNone/>
-            </a:pPr>
-            <a:r>
-              <a:rPr lang="en-US" b="1" dirty="0">
-                <a:ea typeface="Calibri" panose="020F0502020204030204"/>
-                <a:cs typeface="Calibri" panose="020F0502020204030204"/>
-              </a:rPr>
-              <a:t>New web tab</a:t>
-            </a:r>
-            <a:r>
-              <a:rPr lang="en-US" dirty="0">
-                <a:ea typeface="Calibri" panose="020F0502020204030204"/>
-                <a:cs typeface="Calibri" panose="020F0502020204030204"/>
-              </a:rPr>
-              <a:t>:</a:t>
-            </a:r>
-          </a:p>
-          <a:p>
-            <a:pPr marL="0" indent="0">
-              <a:buNone/>
-            </a:pPr>
-            <a:r>
-              <a:rPr lang="en-US" dirty="0">
-                <a:ea typeface="Calibri" panose="020F0502020204030204"/>
-                <a:cs typeface="Calibri" panose="020F0502020204030204"/>
-              </a:rPr>
-              <a:t>https://www.w3schools.com/colors/colors_picker.asp</a:t>
-            </a:r>
-          </a:p>
-        </p:txBody>
-      </p:sp>
-    </p:spTree>
-    <p:extLst>
-      <p:ext uri="{BB962C8B-B14F-4D97-AF65-F5344CB8AC3E}">
-        <p14:creationId xmlns:p14="http://schemas.microsoft.com/office/powerpoint/2010/main" val="1169712265"/>
-      </p:ext>
-    </p:extLst>
-  </p:cSld>
-  <p:clrMapOvr>
-    <a:masterClrMapping/>
-  </p:clrMapOvr>
-</p:sld>
-</file>
-
-<file path=ppt/slides/slide4.xml><?xml version="1.0" encoding="utf-8"?>
-<p:sld xmlns:a="http://schemas.openxmlformats.org/drawingml/2006/main" xmlns:r="http://schemas.openxmlformats.org/officeDocument/2006/relationships" xmlns:p="http://schemas.openxmlformats.org/presentationml/2006/main">
-  <p:cSld>
-    <p:spTree>
-      <p:nvGrpSpPr>
-        <p:cNvPr id="1" name=""/>
-        <p:cNvGrpSpPr/>
-        <p:nvPr/>
-      </p:nvGrpSpPr>
-      <p:grpSpPr>
-        <a:xfrm>
-          <a:off x="0" y="0"/>
-          <a:ext cx="0" cy="0"/>
-          <a:chOff x="0" y="0"/>
-          <a:chExt cx="0" cy="0"/>
-        </a:xfrm>
-      </p:grpSpPr>
-      <p:sp>
-        <p:nvSpPr>
-          <p:cNvPr id="2" name="Title 1">
-            <a:extLst>
-              <a:ext uri="{FF2B5EF4-FFF2-40B4-BE49-F238E27FC236}">
-                <a16:creationId xmlns:a16="http://schemas.microsoft.com/office/drawing/2014/main" id="{DE859745-9910-DD37-8812-5CD4D7F20FC6}"/>
-              </a:ext>
-            </a:extLst>
-          </p:cNvPr>
-          <p:cNvSpPr>
-            <a:spLocks noGrp="1"/>
-          </p:cNvSpPr>
-          <p:nvPr>
-            <p:ph type="title"/>
-          </p:nvPr>
-        </p:nvSpPr>
-        <p:spPr/>
-        <p:txBody>
-          <a:bodyPr/>
-          <a:lstStyle/>
-          <a:p>
-            <a:r>
-              <a:rPr lang="en-US" b="1" dirty="0">
-                <a:solidFill>
-                  <a:srgbClr val="0070C0"/>
-                </a:solidFill>
-              </a:rPr>
-              <a:t>Several geometric components: classic</a:t>
-            </a:r>
-          </a:p>
-        </p:txBody>
-      </p:sp>
-      <p:sp>
-        <p:nvSpPr>
-          <p:cNvPr id="3" name="Content Placeholder 2">
-            <a:extLst>
-              <a:ext uri="{FF2B5EF4-FFF2-40B4-BE49-F238E27FC236}">
-                <a16:creationId xmlns:a16="http://schemas.microsoft.com/office/drawing/2014/main" id="{8C1F06FB-1A25-3FB9-145E-D9CEB945C343}"/>
-              </a:ext>
-            </a:extLst>
-          </p:cNvPr>
-          <p:cNvSpPr>
-            <a:spLocks noGrp="1"/>
-          </p:cNvSpPr>
-          <p:nvPr>
-            <p:ph idx="1"/>
-          </p:nvPr>
-        </p:nvSpPr>
-        <p:spPr>
-          <a:xfrm>
-            <a:off x="419100" y="1838151"/>
-            <a:ext cx="11353800" cy="4654724"/>
-          </a:xfrm>
-        </p:spPr>
-        <p:txBody>
-          <a:bodyPr>
-            <a:normAutofit/>
-          </a:bodyPr>
-          <a:lstStyle/>
-          <a:p>
-            <a:pPr marL="0" indent="0">
-              <a:buNone/>
-            </a:pPr>
-            <a:r>
-              <a:rPr lang="en-US" dirty="0"/>
-              <a:t>&lt;a-box position="-1 0.5 -3" rotation="0 45 0" color=“red"&gt;&lt;/a-box&gt;</a:t>
-            </a:r>
-          </a:p>
-          <a:p>
-            <a:pPr marL="0" indent="0">
-              <a:buNone/>
-            </a:pPr>
-            <a:endParaRPr lang="en-US" dirty="0"/>
-          </a:p>
-          <a:p>
-            <a:pPr marL="0" indent="0">
-              <a:buNone/>
-            </a:pPr>
-            <a:r>
-              <a:rPr lang="en-US" dirty="0"/>
-              <a:t>&lt;a-sphere position="0 1.25 -5" radius="1.25" color=“blue“&gt;&lt;/a-sphere&gt;</a:t>
-            </a:r>
-          </a:p>
-          <a:p>
-            <a:pPr marL="0" indent="0">
-              <a:buNone/>
-            </a:pPr>
-            <a:endParaRPr lang="en-US" dirty="0"/>
-          </a:p>
-          <a:p>
-            <a:pPr marL="0" indent="0">
-              <a:buNone/>
-            </a:pPr>
-            <a:r>
-              <a:rPr lang="en-US" dirty="0"/>
-              <a:t>&lt;a-plane position="0 0 -4"            </a:t>
-            </a:r>
-            <a:r>
-              <a:rPr lang="en-US" dirty="0">
-                <a:solidFill>
-                  <a:srgbClr val="FF0000"/>
-                </a:solidFill>
-              </a:rPr>
-              <a:t>{2,3,4}-planes-intersecting.html</a:t>
-            </a:r>
-          </a:p>
-          <a:p>
-            <a:pPr marL="0" indent="0">
-              <a:buNone/>
-            </a:pPr>
-            <a:r>
-              <a:rPr lang="en-US" dirty="0">
-                <a:solidFill>
-                  <a:schemeClr val="accent1"/>
-                </a:solidFill>
-              </a:rPr>
-              <a:t>	rotation="-90 0 0" </a:t>
-            </a:r>
-          </a:p>
-          <a:p>
-            <a:pPr marL="0" indent="0">
-              <a:buNone/>
-            </a:pPr>
-            <a:r>
-              <a:rPr lang="en-US" dirty="0"/>
-              <a:t>	width="4" </a:t>
-            </a:r>
-          </a:p>
-          <a:p>
-            <a:pPr marL="0" indent="0">
-              <a:buNone/>
-            </a:pPr>
-            <a:r>
-              <a:rPr lang="en-US" dirty="0"/>
-              <a:t>	height="4" </a:t>
-            </a:r>
-          </a:p>
-          <a:p>
-            <a:pPr marL="0" indent="0">
-              <a:buNone/>
-            </a:pPr>
-            <a:r>
-              <a:rPr lang="en-US" dirty="0"/>
-              <a:t>	color=“3cb371"&gt;&lt;/a-plane&gt;</a:t>
-            </a:r>
-          </a:p>
-        </p:txBody>
-      </p:sp>
-    </p:spTree>
-    <p:extLst>
-      <p:ext uri="{BB962C8B-B14F-4D97-AF65-F5344CB8AC3E}">
-        <p14:creationId xmlns:p14="http://schemas.microsoft.com/office/powerpoint/2010/main" val="2157119807"/>
-      </p:ext>
-    </p:extLst>
-  </p:cSld>
-  <p:clrMapOvr>
-    <a:masterClrMapping/>
-  </p:clrMapOvr>
-</p:sld>
-</file>
-
-<file path=ppt/slides/slide5.xml><?xml version="1.0" encoding="utf-8"?>
-<p:sld xmlns:a="http://schemas.openxmlformats.org/drawingml/2006/main" xmlns:r="http://schemas.openxmlformats.org/officeDocument/2006/relationships" xmlns:p="http://schemas.openxmlformats.org/presentationml/2006/main">
-  <p:cSld>
-    <p:spTree>
-      <p:nvGrpSpPr>
-        <p:cNvPr id="1" name=""/>
-        <p:cNvGrpSpPr/>
-        <p:nvPr/>
-      </p:nvGrpSpPr>
-      <p:grpSpPr>
-        <a:xfrm>
-          <a:off x="0" y="0"/>
-          <a:ext cx="0" cy="0"/>
-          <a:chOff x="0" y="0"/>
-          <a:chExt cx="0" cy="0"/>
-        </a:xfrm>
-      </p:grpSpPr>
-      <p:sp>
-        <p:nvSpPr>
-          <p:cNvPr id="2" name="Title 1">
-            <a:extLst>
-              <a:ext uri="{FF2B5EF4-FFF2-40B4-BE49-F238E27FC236}">
-                <a16:creationId xmlns:a16="http://schemas.microsoft.com/office/drawing/2014/main" id="{DE859745-9910-DD37-8812-5CD4D7F20FC6}"/>
-              </a:ext>
-            </a:extLst>
-          </p:cNvPr>
-          <p:cNvSpPr>
-            <a:spLocks noGrp="1"/>
-          </p:cNvSpPr>
-          <p:nvPr>
-            <p:ph type="title"/>
-          </p:nvPr>
-        </p:nvSpPr>
-        <p:spPr/>
-        <p:txBody>
-          <a:bodyPr/>
-          <a:lstStyle/>
-          <a:p>
-            <a:r>
-              <a:rPr lang="en-US" b="1" dirty="0">
-                <a:solidFill>
-                  <a:srgbClr val="0070C0"/>
-                </a:solidFill>
-              </a:rPr>
-              <a:t>Famous: Several geometric components</a:t>
-            </a:r>
-          </a:p>
-        </p:txBody>
-      </p:sp>
-      <p:sp>
-        <p:nvSpPr>
-          <p:cNvPr id="3" name="Content Placeholder 2">
-            <a:extLst>
-              <a:ext uri="{FF2B5EF4-FFF2-40B4-BE49-F238E27FC236}">
-                <a16:creationId xmlns:a16="http://schemas.microsoft.com/office/drawing/2014/main" id="{8C1F06FB-1A25-3FB9-145E-D9CEB945C343}"/>
-              </a:ext>
-            </a:extLst>
-          </p:cNvPr>
-          <p:cNvSpPr>
-            <a:spLocks noGrp="1"/>
-          </p:cNvSpPr>
-          <p:nvPr>
-            <p:ph idx="1"/>
-          </p:nvPr>
-        </p:nvSpPr>
-        <p:spPr>
-          <a:xfrm>
-            <a:off x="419100" y="1838151"/>
-            <a:ext cx="11353800" cy="4654724"/>
-          </a:xfrm>
-        </p:spPr>
-        <p:txBody>
-          <a:bodyPr>
-            <a:normAutofit lnSpcReduction="10000"/>
-          </a:bodyPr>
-          <a:lstStyle/>
-          <a:p>
-            <a:pPr marL="0" indent="0">
-              <a:buNone/>
-            </a:pPr>
-            <a:r>
-              <a:rPr lang="en-US" dirty="0"/>
-              <a:t>&lt;a-box position="-1 0.5 -3" rotation="0 45 0" color=“red"&gt;</a:t>
-            </a:r>
-          </a:p>
-          <a:p>
-            <a:pPr marL="0" indent="0">
-              <a:buNone/>
-            </a:pPr>
-            <a:r>
-              <a:rPr lang="en-US" dirty="0"/>
-              <a:t>&lt;/a-box&gt;</a:t>
-            </a:r>
-          </a:p>
-          <a:p>
-            <a:pPr marL="0" indent="0">
-              <a:buNone/>
-            </a:pPr>
-            <a:r>
-              <a:rPr lang="en-US" dirty="0"/>
-              <a:t>&lt;a-sphere position="0 1.25 -5" radius="1.25" color=“blue“&gt;</a:t>
-            </a:r>
-          </a:p>
-          <a:p>
-            <a:pPr marL="0" indent="0">
-              <a:buNone/>
-            </a:pPr>
-            <a:r>
-              <a:rPr lang="en-US" dirty="0"/>
-              <a:t>&lt;/a-sphere&gt;</a:t>
-            </a:r>
-          </a:p>
-          <a:p>
-            <a:pPr marL="0" indent="0">
-              <a:buNone/>
-            </a:pPr>
-            <a:r>
-              <a:rPr lang="en-US" dirty="0"/>
-              <a:t>&lt;a-cylinder position="1 0.75 -3" radius="0.5" height="1.5" color=“purple"&gt;</a:t>
-            </a:r>
-          </a:p>
-          <a:p>
-            <a:pPr marL="0" indent="0">
-              <a:buNone/>
-            </a:pPr>
-            <a:r>
-              <a:rPr lang="en-US" dirty="0"/>
-              <a:t>&lt;/a-cylinder&gt;</a:t>
-            </a:r>
-          </a:p>
-          <a:p>
-            <a:pPr marL="0" indent="0">
-              <a:buNone/>
-            </a:pPr>
-            <a:r>
-              <a:rPr lang="en-US" dirty="0"/>
-              <a:t>&lt;a-plane position="0 0 -4" </a:t>
-            </a:r>
-            <a:r>
-              <a:rPr lang="en-US" dirty="0">
-                <a:solidFill>
-                  <a:schemeClr val="accent1"/>
-                </a:solidFill>
-              </a:rPr>
-              <a:t>rotation="-90 0 0" </a:t>
-            </a:r>
-            <a:r>
-              <a:rPr lang="en-US" dirty="0"/>
-              <a:t>width="4" height="4" color=“3cb371"&gt;&lt;/a-plane&gt;</a:t>
-            </a:r>
-          </a:p>
-          <a:p>
-            <a:pPr marL="0" indent="0">
-              <a:buNone/>
-            </a:pPr>
-            <a:endParaRPr lang="en-US" dirty="0"/>
-          </a:p>
-          <a:p>
-            <a:pPr marL="0" indent="0">
-              <a:buNone/>
-            </a:pPr>
-            <a:r>
-              <a:rPr lang="en-US" dirty="0"/>
-              <a:t>&lt;a-sky color="#e9f7ff "&gt;&lt;/a-sky&gt;</a:t>
-            </a:r>
-          </a:p>
-        </p:txBody>
-      </p:sp>
-    </p:spTree>
-    <p:extLst>
-      <p:ext uri="{BB962C8B-B14F-4D97-AF65-F5344CB8AC3E}">
-        <p14:creationId xmlns:p14="http://schemas.microsoft.com/office/powerpoint/2010/main" val="437460358"/>
-      </p:ext>
-    </p:extLst>
-  </p:cSld>
-  <p:clrMapOvr>
-    <a:masterClrMapping/>
-  </p:clrMapOvr>
-</p:sld>
-</file>
-
-<file path=ppt/slides/slide6.xml><?xml version="1.0" encoding="utf-8"?>
-<p:sld xmlns:a="http://schemas.openxmlformats.org/drawingml/2006/main" xmlns:r="http://schemas.openxmlformats.org/officeDocument/2006/relationships" xmlns:p="http://schemas.openxmlformats.org/presentationml/2006/main">
-  <p:cSld>
-    <p:spTree>
-      <p:nvGrpSpPr>
-        <p:cNvPr id="1" name=""/>
-        <p:cNvGrpSpPr/>
-        <p:nvPr/>
-      </p:nvGrpSpPr>
-      <p:grpSpPr>
-        <a:xfrm>
-          <a:off x="0" y="0"/>
-          <a:ext cx="0" cy="0"/>
-          <a:chOff x="0" y="0"/>
-          <a:chExt cx="0" cy="0"/>
-        </a:xfrm>
-      </p:grpSpPr>
-      <p:sp>
-        <p:nvSpPr>
-          <p:cNvPr id="2" name="Title 1">
-            <a:extLst>
-              <a:ext uri="{FF2B5EF4-FFF2-40B4-BE49-F238E27FC236}">
-                <a16:creationId xmlns:a16="http://schemas.microsoft.com/office/drawing/2014/main" id="{CCF721E1-9DEF-F1F5-12C8-5DFBF1ED1954}"/>
-              </a:ext>
-            </a:extLst>
-          </p:cNvPr>
-          <p:cNvSpPr>
-            <a:spLocks noGrp="1"/>
-          </p:cNvSpPr>
-          <p:nvPr>
-            <p:ph type="title"/>
-          </p:nvPr>
-        </p:nvSpPr>
-        <p:spPr/>
-        <p:txBody>
-          <a:bodyPr/>
-          <a:lstStyle/>
-          <a:p>
-            <a:r>
-              <a:rPr lang="en-US" dirty="0"/>
-              <a:t>Union</a:t>
-            </a:r>
-          </a:p>
-        </p:txBody>
-      </p:sp>
-      <p:sp>
-        <p:nvSpPr>
-          <p:cNvPr id="7" name="Content Placeholder 6">
-            <a:extLst>
-              <a:ext uri="{FF2B5EF4-FFF2-40B4-BE49-F238E27FC236}">
-                <a16:creationId xmlns:a16="http://schemas.microsoft.com/office/drawing/2014/main" id="{F151057E-2C78-02EB-4091-6D0BA1FB8A2A}"/>
-              </a:ext>
-            </a:extLst>
-          </p:cNvPr>
-          <p:cNvSpPr>
-            <a:spLocks noGrp="1"/>
-          </p:cNvSpPr>
-          <p:nvPr>
-            <p:ph idx="1"/>
-          </p:nvPr>
-        </p:nvSpPr>
-        <p:spPr/>
-        <p:txBody>
-          <a:bodyPr/>
-          <a:lstStyle/>
-          <a:p>
-            <a:pPr marL="0" indent="0">
-              <a:buNone/>
-            </a:pPr>
-            <a:r>
-              <a:rPr lang="en-US" dirty="0"/>
-              <a:t>Same position</a:t>
-            </a:r>
-          </a:p>
-        </p:txBody>
-      </p:sp>
-      <p:pic>
-        <p:nvPicPr>
-          <p:cNvPr id="9" name="Picture 8">
-            <a:extLst>
-              <a:ext uri="{FF2B5EF4-FFF2-40B4-BE49-F238E27FC236}">
-                <a16:creationId xmlns:a16="http://schemas.microsoft.com/office/drawing/2014/main" id="{E27952AB-9F8F-D48A-DA13-D0005CA35A15}"/>
-              </a:ext>
-            </a:extLst>
-          </p:cNvPr>
-          <p:cNvPicPr>
-            <a:picLocks noChangeAspect="1"/>
-          </p:cNvPicPr>
-          <p:nvPr/>
-        </p:nvPicPr>
-        <p:blipFill>
-          <a:blip r:embed="rId2"/>
-          <a:stretch>
-            <a:fillRect/>
-          </a:stretch>
-        </p:blipFill>
-        <p:spPr>
-          <a:xfrm>
-            <a:off x="1461069" y="2735873"/>
-            <a:ext cx="7801949" cy="2660373"/>
-          </a:xfrm>
-          <a:prstGeom prst="rect">
-            <a:avLst/>
-          </a:prstGeom>
-        </p:spPr>
-      </p:pic>
-    </p:spTree>
-    <p:extLst>
-      <p:ext uri="{BB962C8B-B14F-4D97-AF65-F5344CB8AC3E}">
-        <p14:creationId xmlns:p14="http://schemas.microsoft.com/office/powerpoint/2010/main" val="3312785228"/>
-      </p:ext>
-    </p:extLst>
-  </p:cSld>
-  <p:clrMapOvr>
-    <a:masterClrMapping/>
-  </p:clrMapOvr>
-</p:sld>
-</file>
-
-<file path=ppt/slides/slide7.xml><?xml version="1.0" encoding="utf-8"?>
-<p:sld xmlns:a="http://schemas.openxmlformats.org/drawingml/2006/main" xmlns:r="http://schemas.openxmlformats.org/officeDocument/2006/relationships" xmlns:p="http://schemas.openxmlformats.org/presentationml/2006/main">
-  <p:cSld>
-    <p:spTree>
-      <p:nvGrpSpPr>
-        <p:cNvPr id="1" name=""/>
-        <p:cNvGrpSpPr/>
-        <p:nvPr/>
-      </p:nvGrpSpPr>
-      <p:grpSpPr>
-        <a:xfrm>
-          <a:off x="0" y="0"/>
-          <a:ext cx="0" cy="0"/>
-          <a:chOff x="0" y="0"/>
-          <a:chExt cx="0" cy="0"/>
-        </a:xfrm>
-      </p:grpSpPr>
-      <p:sp>
-        <p:nvSpPr>
-          <p:cNvPr id="2" name="Title 1">
-            <a:extLst>
-              <a:ext uri="{FF2B5EF4-FFF2-40B4-BE49-F238E27FC236}">
-                <a16:creationId xmlns:a16="http://schemas.microsoft.com/office/drawing/2014/main" id="{4EEC78BF-F581-C759-06D7-8E6620D8360D}"/>
-              </a:ext>
-            </a:extLst>
-          </p:cNvPr>
-          <p:cNvSpPr>
-            <a:spLocks noGrp="1"/>
-          </p:cNvSpPr>
-          <p:nvPr>
-            <p:ph type="title"/>
-          </p:nvPr>
-        </p:nvSpPr>
-        <p:spPr/>
-        <p:txBody>
-          <a:bodyPr/>
-          <a:lstStyle/>
-          <a:p>
-            <a:r>
-              <a:rPr lang="en-US" dirty="0"/>
-              <a:t>Intersection</a:t>
-            </a:r>
-          </a:p>
-        </p:txBody>
-      </p:sp>
-      <p:sp>
-        <p:nvSpPr>
-          <p:cNvPr id="3" name="Content Placeholder 2">
-            <a:extLst>
-              <a:ext uri="{FF2B5EF4-FFF2-40B4-BE49-F238E27FC236}">
-                <a16:creationId xmlns:a16="http://schemas.microsoft.com/office/drawing/2014/main" id="{4C5D4E99-D656-91E0-CB29-977065DF5E86}"/>
-              </a:ext>
-            </a:extLst>
-          </p:cNvPr>
-          <p:cNvSpPr>
-            <a:spLocks noGrp="1"/>
-          </p:cNvSpPr>
-          <p:nvPr>
-            <p:ph idx="1"/>
-          </p:nvPr>
-        </p:nvSpPr>
-        <p:spPr/>
-        <p:txBody>
-          <a:bodyPr/>
-          <a:lstStyle/>
-          <a:p>
-            <a:endParaRPr lang="en-US"/>
-          </a:p>
-        </p:txBody>
-      </p:sp>
-    </p:spTree>
-    <p:extLst>
-      <p:ext uri="{BB962C8B-B14F-4D97-AF65-F5344CB8AC3E}">
-        <p14:creationId xmlns:p14="http://schemas.microsoft.com/office/powerpoint/2010/main" val="2857207502"/>
-      </p:ext>
-    </p:extLst>
-  </p:cSld>
-  <p:clrMapOvr>
-    <a:masterClrMapping/>
-  </p:clrMapOvr>
-</p:sld>
-</file>
-
-<file path=ppt/slides/slide8.xml><?xml version="1.0" encoding="utf-8"?>
+<file path=ppt/slides/slide10.xml><?xml version="1.0" encoding="utf-8"?>
 <p:sld xmlns:a="http://schemas.openxmlformats.org/drawingml/2006/main" xmlns:r="http://schemas.openxmlformats.org/officeDocument/2006/relationships" xmlns:p="http://schemas.openxmlformats.org/presentationml/2006/main">
   <p:cSld>
     <p:spTree>
@@ -5475,6 +4656,1165 @@
     <p:extLst>
       <p:ext uri="{BB962C8B-B14F-4D97-AF65-F5344CB8AC3E}">
         <p14:creationId xmlns:p14="http://schemas.microsoft.com/office/powerpoint/2010/main" val="1758179659"/>
+      </p:ext>
+    </p:extLst>
+  </p:cSld>
+  <p:clrMapOvr>
+    <a:masterClrMapping/>
+  </p:clrMapOvr>
+</p:sld>
+</file>
+
+<file path=ppt/slides/slide2.xml><?xml version="1.0" encoding="utf-8"?>
+<p:sld xmlns:a="http://schemas.openxmlformats.org/drawingml/2006/main" xmlns:r="http://schemas.openxmlformats.org/officeDocument/2006/relationships" xmlns:p="http://schemas.openxmlformats.org/presentationml/2006/main">
+  <p:cSld>
+    <p:spTree>
+      <p:nvGrpSpPr>
+        <p:cNvPr id="1" name=""/>
+        <p:cNvGrpSpPr/>
+        <p:nvPr/>
+      </p:nvGrpSpPr>
+      <p:grpSpPr>
+        <a:xfrm>
+          <a:off x="0" y="0"/>
+          <a:ext cx="0" cy="0"/>
+          <a:chOff x="0" y="0"/>
+          <a:chExt cx="0" cy="0"/>
+        </a:xfrm>
+      </p:grpSpPr>
+      <p:sp>
+        <p:nvSpPr>
+          <p:cNvPr id="2" name="Title 1">
+            <a:extLst>
+              <a:ext uri="{FF2B5EF4-FFF2-40B4-BE49-F238E27FC236}">
+                <a16:creationId xmlns:a16="http://schemas.microsoft.com/office/drawing/2014/main" id="{88C28B52-9757-A10E-16AD-A54B262E80E8}"/>
+              </a:ext>
+            </a:extLst>
+          </p:cNvPr>
+          <p:cNvSpPr>
+            <a:spLocks noGrp="1"/>
+          </p:cNvSpPr>
+          <p:nvPr>
+            <p:ph type="title"/>
+          </p:nvPr>
+        </p:nvSpPr>
+        <p:spPr/>
+        <p:txBody>
+          <a:bodyPr/>
+          <a:lstStyle/>
+          <a:p>
+            <a:r>
+              <a:rPr lang="en-US" dirty="0"/>
+              <a:t>Module demo highlights: Intersection</a:t>
+            </a:r>
+          </a:p>
+        </p:txBody>
+      </p:sp>
+      <p:pic>
+        <p:nvPicPr>
+          <p:cNvPr id="7" name="Picture 6">
+            <a:extLst>
+              <a:ext uri="{FF2B5EF4-FFF2-40B4-BE49-F238E27FC236}">
+                <a16:creationId xmlns:a16="http://schemas.microsoft.com/office/drawing/2014/main" id="{C6E9638E-16B2-76D7-FDBF-37541EAEC279}"/>
+              </a:ext>
+            </a:extLst>
+          </p:cNvPr>
+          <p:cNvPicPr>
+            <a:picLocks noChangeAspect="1"/>
+          </p:cNvPicPr>
+          <p:nvPr/>
+        </p:nvPicPr>
+        <p:blipFill>
+          <a:blip r:embed="rId2"/>
+          <a:stretch>
+            <a:fillRect/>
+          </a:stretch>
+        </p:blipFill>
+        <p:spPr>
+          <a:xfrm>
+            <a:off x="3321423" y="1690688"/>
+            <a:ext cx="5166479" cy="4332006"/>
+          </a:xfrm>
+          <a:prstGeom prst="rect">
+            <a:avLst/>
+          </a:prstGeom>
+        </p:spPr>
+      </p:pic>
+    </p:spTree>
+    <p:extLst>
+      <p:ext uri="{BB962C8B-B14F-4D97-AF65-F5344CB8AC3E}">
+        <p14:creationId xmlns:p14="http://schemas.microsoft.com/office/powerpoint/2010/main" val="1486477310"/>
+      </p:ext>
+    </p:extLst>
+  </p:cSld>
+  <p:clrMapOvr>
+    <a:masterClrMapping/>
+  </p:clrMapOvr>
+</p:sld>
+</file>
+
+<file path=ppt/slides/slide3.xml><?xml version="1.0" encoding="utf-8"?>
+<p:sld xmlns:a="http://schemas.openxmlformats.org/drawingml/2006/main" xmlns:r="http://schemas.openxmlformats.org/officeDocument/2006/relationships" xmlns:p="http://schemas.openxmlformats.org/presentationml/2006/main">
+  <p:cSld>
+    <p:spTree>
+      <p:nvGrpSpPr>
+        <p:cNvPr id="1" name=""/>
+        <p:cNvGrpSpPr/>
+        <p:nvPr/>
+      </p:nvGrpSpPr>
+      <p:grpSpPr>
+        <a:xfrm>
+          <a:off x="0" y="0"/>
+          <a:ext cx="0" cy="0"/>
+          <a:chOff x="0" y="0"/>
+          <a:chExt cx="0" cy="0"/>
+        </a:xfrm>
+      </p:grpSpPr>
+      <p:sp>
+        <p:nvSpPr>
+          <p:cNvPr id="2" name="Title 1">
+            <a:extLst>
+              <a:ext uri="{FF2B5EF4-FFF2-40B4-BE49-F238E27FC236}">
+                <a16:creationId xmlns:a16="http://schemas.microsoft.com/office/drawing/2014/main" id="{D0A32E1B-304C-70CA-4FE2-121036B45BBD}"/>
+              </a:ext>
+            </a:extLst>
+          </p:cNvPr>
+          <p:cNvSpPr>
+            <a:spLocks noGrp="1"/>
+          </p:cNvSpPr>
+          <p:nvPr>
+            <p:ph type="title"/>
+          </p:nvPr>
+        </p:nvSpPr>
+        <p:spPr/>
+        <p:txBody>
+          <a:bodyPr/>
+          <a:lstStyle/>
+          <a:p>
+            <a:r>
+              <a:rPr lang="en-US" dirty="0">
+                <a:solidFill>
+                  <a:srgbClr val="0070C0"/>
+                </a:solidFill>
+                <a:ea typeface="Calibri Light"/>
+                <a:cs typeface="Calibri Light"/>
+              </a:rPr>
+              <a:t>Outline</a:t>
+            </a:r>
+            <a:endParaRPr lang="en-US">
+              <a:solidFill>
+                <a:srgbClr val="0070C0"/>
+              </a:solidFill>
+              <a:ea typeface="Calibri Light"/>
+              <a:cs typeface="Calibri Light"/>
+            </a:endParaRPr>
+          </a:p>
+        </p:txBody>
+      </p:sp>
+      <p:sp>
+        <p:nvSpPr>
+          <p:cNvPr id="3" name="Content Placeholder 2">
+            <a:extLst>
+              <a:ext uri="{FF2B5EF4-FFF2-40B4-BE49-F238E27FC236}">
+                <a16:creationId xmlns:a16="http://schemas.microsoft.com/office/drawing/2014/main" id="{0F80D594-86CE-1ED4-994C-042A2971ED94}"/>
+              </a:ext>
+            </a:extLst>
+          </p:cNvPr>
+          <p:cNvSpPr>
+            <a:spLocks noGrp="1"/>
+          </p:cNvSpPr>
+          <p:nvPr>
+            <p:ph idx="1"/>
+          </p:nvPr>
+        </p:nvSpPr>
+        <p:spPr/>
+        <p:txBody>
+          <a:bodyPr vert="horz" lIns="91440" tIns="45720" rIns="91440" bIns="45720" rtlCol="0" anchor="t">
+            <a:normAutofit/>
+          </a:bodyPr>
+          <a:lstStyle/>
+          <a:p>
+            <a:pPr marL="0" indent="0">
+              <a:buNone/>
+            </a:pPr>
+            <a:endParaRPr lang="en-US" dirty="0">
+              <a:ea typeface="Calibri" panose="020F0502020204030204"/>
+              <a:cs typeface="Calibri" panose="020F0502020204030204"/>
+            </a:endParaRPr>
+          </a:p>
+          <a:p>
+            <a:pPr marL="0" indent="0">
+              <a:buNone/>
+            </a:pPr>
+            <a:r>
+              <a:rPr lang="en-US" dirty="0">
+                <a:ea typeface="Calibri" panose="020F0502020204030204"/>
+                <a:cs typeface="Calibri" panose="020F0502020204030204"/>
+              </a:rPr>
+              <a:t>A-frame scenes</a:t>
+            </a:r>
+          </a:p>
+          <a:p>
+            <a:pPr marL="0" indent="0">
+              <a:buNone/>
+            </a:pPr>
+            <a:endParaRPr lang="en-US" dirty="0">
+              <a:ea typeface="Calibri" panose="020F0502020204030204"/>
+              <a:cs typeface="Calibri" panose="020F0502020204030204"/>
+            </a:endParaRPr>
+          </a:p>
+          <a:p>
+            <a:pPr marL="0" indent="0">
+              <a:buNone/>
+            </a:pPr>
+            <a:r>
+              <a:rPr lang="en-US" dirty="0">
+                <a:ea typeface="Calibri" panose="020F0502020204030204"/>
+                <a:cs typeface="Calibri" panose="020F0502020204030204"/>
+              </a:rPr>
+              <a:t>Basic A-frame geometric objects</a:t>
+            </a:r>
+          </a:p>
+          <a:p>
+            <a:pPr marL="0" indent="0">
+              <a:buNone/>
+            </a:pPr>
+            <a:endParaRPr lang="en-US" dirty="0">
+              <a:ea typeface="Calibri" panose="020F0502020204030204"/>
+              <a:cs typeface="Calibri" panose="020F0502020204030204"/>
+            </a:endParaRPr>
+          </a:p>
+          <a:p>
+            <a:pPr marL="0" indent="0">
+              <a:buNone/>
+            </a:pPr>
+            <a:r>
+              <a:rPr lang="en-US" b="1" dirty="0">
+                <a:ea typeface="Calibri" panose="020F0502020204030204"/>
+                <a:cs typeface="Calibri" panose="020F0502020204030204"/>
+              </a:rPr>
+              <a:t>New web tab</a:t>
+            </a:r>
+            <a:r>
+              <a:rPr lang="en-US" dirty="0">
+                <a:ea typeface="Calibri" panose="020F0502020204030204"/>
+                <a:cs typeface="Calibri" panose="020F0502020204030204"/>
+              </a:rPr>
+              <a:t>:</a:t>
+            </a:r>
+          </a:p>
+          <a:p>
+            <a:pPr marL="0" indent="0">
+              <a:buNone/>
+            </a:pPr>
+            <a:r>
+              <a:rPr lang="en-US" dirty="0">
+                <a:ea typeface="Calibri" panose="020F0502020204030204"/>
+                <a:cs typeface="Calibri" panose="020F0502020204030204"/>
+                <a:hlinkClick r:id="rId2"/>
+              </a:rPr>
+              <a:t>https://www.w3schools.com/colors/colors_picker.asp</a:t>
+            </a:r>
+            <a:endParaRPr lang="en-US" dirty="0">
+              <a:ea typeface="Calibri" panose="020F0502020204030204"/>
+              <a:cs typeface="Calibri" panose="020F0502020204030204"/>
+            </a:endParaRPr>
+          </a:p>
+          <a:p>
+            <a:pPr marL="0" indent="0">
+              <a:buNone/>
+            </a:pPr>
+            <a:r>
+              <a:rPr lang="en-US" dirty="0">
+                <a:ea typeface="Calibri" panose="020F0502020204030204"/>
+                <a:cs typeface="Calibri" panose="020F0502020204030204"/>
+                <a:hlinkClick r:id="rId3"/>
+              </a:rPr>
+              <a:t>https://www.w3schools.com/colors/colors_wheels.asp</a:t>
+            </a:r>
+            <a:r>
+              <a:rPr lang="en-US" dirty="0">
+                <a:ea typeface="Calibri" panose="020F0502020204030204"/>
+                <a:cs typeface="Calibri" panose="020F0502020204030204"/>
+              </a:rPr>
+              <a:t> </a:t>
+            </a:r>
+          </a:p>
+        </p:txBody>
+      </p:sp>
+    </p:spTree>
+    <p:extLst>
+      <p:ext uri="{BB962C8B-B14F-4D97-AF65-F5344CB8AC3E}">
+        <p14:creationId xmlns:p14="http://schemas.microsoft.com/office/powerpoint/2010/main" val="1169712265"/>
+      </p:ext>
+    </p:extLst>
+  </p:cSld>
+  <p:clrMapOvr>
+    <a:masterClrMapping/>
+  </p:clrMapOvr>
+</p:sld>
+</file>
+
+<file path=ppt/slides/slide4.xml><?xml version="1.0" encoding="utf-8"?>
+<p:sld xmlns:a="http://schemas.openxmlformats.org/drawingml/2006/main" xmlns:r="http://schemas.openxmlformats.org/officeDocument/2006/relationships" xmlns:p="http://schemas.openxmlformats.org/presentationml/2006/main">
+  <p:cSld>
+    <p:spTree>
+      <p:nvGrpSpPr>
+        <p:cNvPr id="1" name=""/>
+        <p:cNvGrpSpPr/>
+        <p:nvPr/>
+      </p:nvGrpSpPr>
+      <p:grpSpPr>
+        <a:xfrm>
+          <a:off x="0" y="0"/>
+          <a:ext cx="0" cy="0"/>
+          <a:chOff x="0" y="0"/>
+          <a:chExt cx="0" cy="0"/>
+        </a:xfrm>
+      </p:grpSpPr>
+      <p:sp>
+        <p:nvSpPr>
+          <p:cNvPr id="2" name="Title 1">
+            <a:extLst>
+              <a:ext uri="{FF2B5EF4-FFF2-40B4-BE49-F238E27FC236}">
+                <a16:creationId xmlns:a16="http://schemas.microsoft.com/office/drawing/2014/main" id="{D97A8104-72A9-310F-7BA5-B5F2D1F46021}"/>
+              </a:ext>
+            </a:extLst>
+          </p:cNvPr>
+          <p:cNvSpPr>
+            <a:spLocks noGrp="1"/>
+          </p:cNvSpPr>
+          <p:nvPr>
+            <p:ph type="title"/>
+          </p:nvPr>
+        </p:nvSpPr>
+        <p:spPr/>
+        <p:txBody>
+          <a:bodyPr/>
+          <a:lstStyle/>
+          <a:p>
+            <a:r>
+              <a:rPr lang="en-US" dirty="0"/>
+              <a:t>Compliments/Intersections with colors</a:t>
+            </a:r>
+          </a:p>
+        </p:txBody>
+      </p:sp>
+      <p:sp>
+        <p:nvSpPr>
+          <p:cNvPr id="4" name="Rectangle 3">
+            <a:extLst>
+              <a:ext uri="{FF2B5EF4-FFF2-40B4-BE49-F238E27FC236}">
+                <a16:creationId xmlns:a16="http://schemas.microsoft.com/office/drawing/2014/main" id="{160886D5-A9A3-4096-9D4E-BA7782A149E3}"/>
+              </a:ext>
+            </a:extLst>
+          </p:cNvPr>
+          <p:cNvSpPr/>
+          <p:nvPr/>
+        </p:nvSpPr>
+        <p:spPr>
+          <a:xfrm>
+            <a:off x="2837793" y="2103437"/>
+            <a:ext cx="1639614" cy="1325563"/>
+          </a:xfrm>
+          <a:prstGeom prst="rect">
+            <a:avLst/>
+          </a:prstGeom>
+        </p:spPr>
+        <p:style>
+          <a:lnRef idx="2">
+            <a:schemeClr val="dk1">
+              <a:shade val="15000"/>
+            </a:schemeClr>
+          </a:lnRef>
+          <a:fillRef idx="1">
+            <a:schemeClr val="dk1"/>
+          </a:fillRef>
+          <a:effectRef idx="0">
+            <a:schemeClr val="dk1"/>
+          </a:effectRef>
+          <a:fontRef idx="minor">
+            <a:schemeClr val="lt1"/>
+          </a:fontRef>
+        </p:style>
+        <p:txBody>
+          <a:bodyPr rtlCol="0" anchor="ctr"/>
+          <a:lstStyle/>
+          <a:p>
+            <a:pPr algn="ctr"/>
+            <a:r>
+              <a:rPr lang="en-US" dirty="0"/>
+              <a:t>00 00 00</a:t>
+            </a:r>
+          </a:p>
+        </p:txBody>
+      </p:sp>
+      <p:sp>
+        <p:nvSpPr>
+          <p:cNvPr id="5" name="Rectangle 4">
+            <a:extLst>
+              <a:ext uri="{FF2B5EF4-FFF2-40B4-BE49-F238E27FC236}">
+                <a16:creationId xmlns:a16="http://schemas.microsoft.com/office/drawing/2014/main" id="{FC95397A-2CBD-8D8A-E593-C73C4A9C46D8}"/>
+              </a:ext>
+            </a:extLst>
+          </p:cNvPr>
+          <p:cNvSpPr/>
+          <p:nvPr/>
+        </p:nvSpPr>
+        <p:spPr>
+          <a:xfrm>
+            <a:off x="6074981" y="2144219"/>
+            <a:ext cx="1639614" cy="1325563"/>
+          </a:xfrm>
+          <a:prstGeom prst="rect">
+            <a:avLst/>
+          </a:prstGeom>
+        </p:spPr>
+        <p:style>
+          <a:lnRef idx="2">
+            <a:schemeClr val="accent6"/>
+          </a:lnRef>
+          <a:fillRef idx="1">
+            <a:schemeClr val="lt1"/>
+          </a:fillRef>
+          <a:effectRef idx="0">
+            <a:schemeClr val="accent6"/>
+          </a:effectRef>
+          <a:fontRef idx="minor">
+            <a:schemeClr val="dk1"/>
+          </a:fontRef>
+        </p:style>
+        <p:txBody>
+          <a:bodyPr rtlCol="0" anchor="ctr"/>
+          <a:lstStyle/>
+          <a:p>
+            <a:pPr algn="ctr"/>
+            <a:r>
+              <a:rPr lang="en-US" dirty="0"/>
+              <a:t>FF </a:t>
+            </a:r>
+            <a:r>
+              <a:rPr lang="en-US" dirty="0" err="1"/>
+              <a:t>FF</a:t>
+            </a:r>
+            <a:r>
+              <a:rPr lang="en-US" dirty="0"/>
+              <a:t> </a:t>
+            </a:r>
+            <a:r>
+              <a:rPr lang="en-US" dirty="0" err="1"/>
+              <a:t>FF</a:t>
+            </a:r>
+            <a:endParaRPr lang="en-US" dirty="0"/>
+          </a:p>
+        </p:txBody>
+      </p:sp>
+    </p:spTree>
+    <p:extLst>
+      <p:ext uri="{BB962C8B-B14F-4D97-AF65-F5344CB8AC3E}">
+        <p14:creationId xmlns:p14="http://schemas.microsoft.com/office/powerpoint/2010/main" val="2136672843"/>
+      </p:ext>
+    </p:extLst>
+  </p:cSld>
+  <p:clrMapOvr>
+    <a:masterClrMapping/>
+  </p:clrMapOvr>
+</p:sld>
+</file>
+
+<file path=ppt/slides/slide5.xml><?xml version="1.0" encoding="utf-8"?>
+<p:sld xmlns:a="http://schemas.openxmlformats.org/drawingml/2006/main" xmlns:r="http://schemas.openxmlformats.org/officeDocument/2006/relationships" xmlns:p="http://schemas.openxmlformats.org/presentationml/2006/main">
+  <p:cSld>
+    <p:spTree>
+      <p:nvGrpSpPr>
+        <p:cNvPr id="1" name=""/>
+        <p:cNvGrpSpPr/>
+        <p:nvPr/>
+      </p:nvGrpSpPr>
+      <p:grpSpPr>
+        <a:xfrm>
+          <a:off x="0" y="0"/>
+          <a:ext cx="0" cy="0"/>
+          <a:chOff x="0" y="0"/>
+          <a:chExt cx="0" cy="0"/>
+        </a:xfrm>
+      </p:grpSpPr>
+      <p:sp>
+        <p:nvSpPr>
+          <p:cNvPr id="2" name="Title 1">
+            <a:extLst>
+              <a:ext uri="{FF2B5EF4-FFF2-40B4-BE49-F238E27FC236}">
+                <a16:creationId xmlns:a16="http://schemas.microsoft.com/office/drawing/2014/main" id="{DE859745-9910-DD37-8812-5CD4D7F20FC6}"/>
+              </a:ext>
+            </a:extLst>
+          </p:cNvPr>
+          <p:cNvSpPr>
+            <a:spLocks noGrp="1"/>
+          </p:cNvSpPr>
+          <p:nvPr>
+            <p:ph type="title"/>
+          </p:nvPr>
+        </p:nvSpPr>
+        <p:spPr/>
+        <p:txBody>
+          <a:bodyPr/>
+          <a:lstStyle/>
+          <a:p>
+            <a:r>
+              <a:rPr lang="en-US" b="1" dirty="0">
+                <a:solidFill>
+                  <a:srgbClr val="0070C0"/>
+                </a:solidFill>
+              </a:rPr>
+              <a:t>Several geometric components: classic</a:t>
+            </a:r>
+          </a:p>
+        </p:txBody>
+      </p:sp>
+      <p:sp>
+        <p:nvSpPr>
+          <p:cNvPr id="3" name="Content Placeholder 2">
+            <a:extLst>
+              <a:ext uri="{FF2B5EF4-FFF2-40B4-BE49-F238E27FC236}">
+                <a16:creationId xmlns:a16="http://schemas.microsoft.com/office/drawing/2014/main" id="{8C1F06FB-1A25-3FB9-145E-D9CEB945C343}"/>
+              </a:ext>
+            </a:extLst>
+          </p:cNvPr>
+          <p:cNvSpPr>
+            <a:spLocks noGrp="1"/>
+          </p:cNvSpPr>
+          <p:nvPr>
+            <p:ph idx="1"/>
+          </p:nvPr>
+        </p:nvSpPr>
+        <p:spPr>
+          <a:xfrm>
+            <a:off x="419100" y="1838151"/>
+            <a:ext cx="11353800" cy="4654724"/>
+          </a:xfrm>
+        </p:spPr>
+        <p:txBody>
+          <a:bodyPr>
+            <a:normAutofit/>
+          </a:bodyPr>
+          <a:lstStyle/>
+          <a:p>
+            <a:pPr marL="0" indent="0">
+              <a:buNone/>
+            </a:pPr>
+            <a:r>
+              <a:rPr lang="en-US" dirty="0"/>
+              <a:t>&lt;a-box position="-1   0.5   -3" rotation="0 45 0" color=“red"&gt;&lt;/a-box&gt;</a:t>
+            </a:r>
+          </a:p>
+          <a:p>
+            <a:pPr marL="0" indent="0">
+              <a:buNone/>
+            </a:pPr>
+            <a:endParaRPr lang="en-US" dirty="0"/>
+          </a:p>
+          <a:p>
+            <a:pPr marL="0" indent="0">
+              <a:buNone/>
+            </a:pPr>
+            <a:r>
+              <a:rPr lang="en-US" dirty="0"/>
+              <a:t>&lt;a-sphere position="0   1.25   -5" radius="1.25" color=“blue“&gt;&lt;/a-sphere&gt;</a:t>
+            </a:r>
+          </a:p>
+          <a:p>
+            <a:pPr marL="0" indent="0">
+              <a:buNone/>
+            </a:pPr>
+            <a:endParaRPr lang="en-US" dirty="0"/>
+          </a:p>
+          <a:p>
+            <a:pPr marL="0" indent="0">
+              <a:buNone/>
+            </a:pPr>
+            <a:r>
+              <a:rPr lang="en-US" dirty="0"/>
+              <a:t>&lt;a-plane position="0 0 -4"            </a:t>
+            </a:r>
+            <a:r>
+              <a:rPr lang="en-US" dirty="0">
+                <a:solidFill>
+                  <a:srgbClr val="FF0000"/>
+                </a:solidFill>
+              </a:rPr>
+              <a:t>{2,3,4}-planes-intersecting.html</a:t>
+            </a:r>
+          </a:p>
+          <a:p>
+            <a:pPr marL="0" indent="0">
+              <a:buNone/>
+            </a:pPr>
+            <a:r>
+              <a:rPr lang="en-US" dirty="0">
+                <a:solidFill>
+                  <a:schemeClr val="accent1"/>
+                </a:solidFill>
+              </a:rPr>
+              <a:t>	rotation="-90 0 0" </a:t>
+            </a:r>
+          </a:p>
+          <a:p>
+            <a:pPr marL="0" indent="0">
+              <a:buNone/>
+            </a:pPr>
+            <a:r>
+              <a:rPr lang="en-US" dirty="0"/>
+              <a:t>	width="4" </a:t>
+            </a:r>
+          </a:p>
+          <a:p>
+            <a:pPr marL="0" indent="0">
+              <a:buNone/>
+            </a:pPr>
+            <a:r>
+              <a:rPr lang="en-US" dirty="0"/>
+              <a:t>	height="4" </a:t>
+            </a:r>
+          </a:p>
+          <a:p>
+            <a:pPr marL="0" indent="0">
+              <a:buNone/>
+            </a:pPr>
+            <a:r>
+              <a:rPr lang="en-US" dirty="0"/>
+              <a:t>	color=“3cb371"&gt;&lt;/a-plane&gt;</a:t>
+            </a:r>
+          </a:p>
+        </p:txBody>
+      </p:sp>
+    </p:spTree>
+    <p:extLst>
+      <p:ext uri="{BB962C8B-B14F-4D97-AF65-F5344CB8AC3E}">
+        <p14:creationId xmlns:p14="http://schemas.microsoft.com/office/powerpoint/2010/main" val="2157119807"/>
+      </p:ext>
+    </p:extLst>
+  </p:cSld>
+  <p:clrMapOvr>
+    <a:masterClrMapping/>
+  </p:clrMapOvr>
+</p:sld>
+</file>
+
+<file path=ppt/slides/slide6.xml><?xml version="1.0" encoding="utf-8"?>
+<p:sld xmlns:a="http://schemas.openxmlformats.org/drawingml/2006/main" xmlns:r="http://schemas.openxmlformats.org/officeDocument/2006/relationships" xmlns:p="http://schemas.openxmlformats.org/presentationml/2006/main">
+  <p:cSld>
+    <p:spTree>
+      <p:nvGrpSpPr>
+        <p:cNvPr id="1" name=""/>
+        <p:cNvGrpSpPr/>
+        <p:nvPr/>
+      </p:nvGrpSpPr>
+      <p:grpSpPr>
+        <a:xfrm>
+          <a:off x="0" y="0"/>
+          <a:ext cx="0" cy="0"/>
+          <a:chOff x="0" y="0"/>
+          <a:chExt cx="0" cy="0"/>
+        </a:xfrm>
+      </p:grpSpPr>
+      <p:sp>
+        <p:nvSpPr>
+          <p:cNvPr id="2" name="Title 1">
+            <a:extLst>
+              <a:ext uri="{FF2B5EF4-FFF2-40B4-BE49-F238E27FC236}">
+                <a16:creationId xmlns:a16="http://schemas.microsoft.com/office/drawing/2014/main" id="{DE859745-9910-DD37-8812-5CD4D7F20FC6}"/>
+              </a:ext>
+            </a:extLst>
+          </p:cNvPr>
+          <p:cNvSpPr>
+            <a:spLocks noGrp="1"/>
+          </p:cNvSpPr>
+          <p:nvPr>
+            <p:ph type="title"/>
+          </p:nvPr>
+        </p:nvSpPr>
+        <p:spPr/>
+        <p:txBody>
+          <a:bodyPr/>
+          <a:lstStyle/>
+          <a:p>
+            <a:r>
+              <a:rPr lang="en-US" b="1" dirty="0">
+                <a:solidFill>
+                  <a:srgbClr val="0070C0"/>
+                </a:solidFill>
+              </a:rPr>
+              <a:t>Famous: Several geometric components</a:t>
+            </a:r>
+          </a:p>
+        </p:txBody>
+      </p:sp>
+      <p:sp>
+        <p:nvSpPr>
+          <p:cNvPr id="3" name="Content Placeholder 2">
+            <a:extLst>
+              <a:ext uri="{FF2B5EF4-FFF2-40B4-BE49-F238E27FC236}">
+                <a16:creationId xmlns:a16="http://schemas.microsoft.com/office/drawing/2014/main" id="{8C1F06FB-1A25-3FB9-145E-D9CEB945C343}"/>
+              </a:ext>
+            </a:extLst>
+          </p:cNvPr>
+          <p:cNvSpPr>
+            <a:spLocks noGrp="1"/>
+          </p:cNvSpPr>
+          <p:nvPr>
+            <p:ph idx="1"/>
+          </p:nvPr>
+        </p:nvSpPr>
+        <p:spPr>
+          <a:xfrm>
+            <a:off x="419100" y="1838151"/>
+            <a:ext cx="11353800" cy="4654724"/>
+          </a:xfrm>
+        </p:spPr>
+        <p:txBody>
+          <a:bodyPr>
+            <a:normAutofit lnSpcReduction="10000"/>
+          </a:bodyPr>
+          <a:lstStyle/>
+          <a:p>
+            <a:pPr marL="0" indent="0">
+              <a:buNone/>
+            </a:pPr>
+            <a:r>
+              <a:rPr lang="en-US" dirty="0"/>
+              <a:t>&lt;a-box position="-1 0.5 -3" rotation="0 45 0" color=“red"&gt;</a:t>
+            </a:r>
+          </a:p>
+          <a:p>
+            <a:pPr marL="0" indent="0">
+              <a:buNone/>
+            </a:pPr>
+            <a:r>
+              <a:rPr lang="en-US" dirty="0"/>
+              <a:t>&lt;/a-box&gt;</a:t>
+            </a:r>
+          </a:p>
+          <a:p>
+            <a:pPr marL="0" indent="0">
+              <a:buNone/>
+            </a:pPr>
+            <a:r>
+              <a:rPr lang="en-US" dirty="0"/>
+              <a:t>&lt;a-sphere position="0 1.25 -5" radius="1.25" color=“blue“&gt;</a:t>
+            </a:r>
+          </a:p>
+          <a:p>
+            <a:pPr marL="0" indent="0">
+              <a:buNone/>
+            </a:pPr>
+            <a:r>
+              <a:rPr lang="en-US" dirty="0"/>
+              <a:t>&lt;/a-sphere&gt;</a:t>
+            </a:r>
+          </a:p>
+          <a:p>
+            <a:pPr marL="0" indent="0">
+              <a:buNone/>
+            </a:pPr>
+            <a:r>
+              <a:rPr lang="en-US" dirty="0"/>
+              <a:t>&lt;a-cylinder position="1 0.75 -3" radius="0.5" height="1.5" color=“purple"&gt;</a:t>
+            </a:r>
+          </a:p>
+          <a:p>
+            <a:pPr marL="0" indent="0">
+              <a:buNone/>
+            </a:pPr>
+            <a:r>
+              <a:rPr lang="en-US" dirty="0"/>
+              <a:t>&lt;/a-cylinder&gt;</a:t>
+            </a:r>
+          </a:p>
+          <a:p>
+            <a:pPr marL="0" indent="0">
+              <a:buNone/>
+            </a:pPr>
+            <a:r>
+              <a:rPr lang="en-US" dirty="0"/>
+              <a:t>&lt;a-plane position="0 0 -4" </a:t>
+            </a:r>
+            <a:r>
+              <a:rPr lang="en-US" dirty="0">
+                <a:solidFill>
+                  <a:schemeClr val="accent1"/>
+                </a:solidFill>
+              </a:rPr>
+              <a:t>rotation="-90 0 0" </a:t>
+            </a:r>
+            <a:r>
+              <a:rPr lang="en-US" dirty="0"/>
+              <a:t>width="4" height="4" color=“3cb371"&gt;&lt;/a-plane&gt;</a:t>
+            </a:r>
+          </a:p>
+          <a:p>
+            <a:pPr marL="0" indent="0">
+              <a:buNone/>
+            </a:pPr>
+            <a:endParaRPr lang="en-US" dirty="0"/>
+          </a:p>
+          <a:p>
+            <a:pPr marL="0" indent="0">
+              <a:buNone/>
+            </a:pPr>
+            <a:r>
+              <a:rPr lang="en-US" dirty="0"/>
+              <a:t>&lt;a-sky color="#e9f7ff "&gt;&lt;/a-sky&gt;</a:t>
+            </a:r>
+          </a:p>
+        </p:txBody>
+      </p:sp>
+    </p:spTree>
+    <p:extLst>
+      <p:ext uri="{BB962C8B-B14F-4D97-AF65-F5344CB8AC3E}">
+        <p14:creationId xmlns:p14="http://schemas.microsoft.com/office/powerpoint/2010/main" val="437460358"/>
+      </p:ext>
+    </p:extLst>
+  </p:cSld>
+  <p:clrMapOvr>
+    <a:masterClrMapping/>
+  </p:clrMapOvr>
+</p:sld>
+</file>
+
+<file path=ppt/slides/slide7.xml><?xml version="1.0" encoding="utf-8"?>
+<p:sld xmlns:a="http://schemas.openxmlformats.org/drawingml/2006/main" xmlns:r="http://schemas.openxmlformats.org/officeDocument/2006/relationships" xmlns:p="http://schemas.openxmlformats.org/presentationml/2006/main">
+  <p:cSld>
+    <p:spTree>
+      <p:nvGrpSpPr>
+        <p:cNvPr id="1" name=""/>
+        <p:cNvGrpSpPr/>
+        <p:nvPr/>
+      </p:nvGrpSpPr>
+      <p:grpSpPr>
+        <a:xfrm>
+          <a:off x="0" y="0"/>
+          <a:ext cx="0" cy="0"/>
+          <a:chOff x="0" y="0"/>
+          <a:chExt cx="0" cy="0"/>
+        </a:xfrm>
+      </p:grpSpPr>
+      <p:sp>
+        <p:nvSpPr>
+          <p:cNvPr id="2" name="Title 1">
+            <a:extLst>
+              <a:ext uri="{FF2B5EF4-FFF2-40B4-BE49-F238E27FC236}">
+                <a16:creationId xmlns:a16="http://schemas.microsoft.com/office/drawing/2014/main" id="{CCF721E1-9DEF-F1F5-12C8-5DFBF1ED1954}"/>
+              </a:ext>
+            </a:extLst>
+          </p:cNvPr>
+          <p:cNvSpPr>
+            <a:spLocks noGrp="1"/>
+          </p:cNvSpPr>
+          <p:nvPr>
+            <p:ph type="title"/>
+          </p:nvPr>
+        </p:nvSpPr>
+        <p:spPr/>
+        <p:txBody>
+          <a:bodyPr/>
+          <a:lstStyle/>
+          <a:p>
+            <a:r>
+              <a:rPr lang="en-US" dirty="0"/>
+              <a:t>Union</a:t>
+            </a:r>
+          </a:p>
+        </p:txBody>
+      </p:sp>
+      <p:sp>
+        <p:nvSpPr>
+          <p:cNvPr id="7" name="Content Placeholder 6">
+            <a:extLst>
+              <a:ext uri="{FF2B5EF4-FFF2-40B4-BE49-F238E27FC236}">
+                <a16:creationId xmlns:a16="http://schemas.microsoft.com/office/drawing/2014/main" id="{F151057E-2C78-02EB-4091-6D0BA1FB8A2A}"/>
+              </a:ext>
+            </a:extLst>
+          </p:cNvPr>
+          <p:cNvSpPr>
+            <a:spLocks noGrp="1"/>
+          </p:cNvSpPr>
+          <p:nvPr>
+            <p:ph idx="1"/>
+          </p:nvPr>
+        </p:nvSpPr>
+        <p:spPr/>
+        <p:txBody>
+          <a:bodyPr/>
+          <a:lstStyle/>
+          <a:p>
+            <a:pPr marL="0" indent="0">
+              <a:buNone/>
+            </a:pPr>
+            <a:r>
+              <a:rPr lang="en-US" dirty="0"/>
+              <a:t>Same position</a:t>
+            </a:r>
+          </a:p>
+        </p:txBody>
+      </p:sp>
+      <p:pic>
+        <p:nvPicPr>
+          <p:cNvPr id="9" name="Picture 8">
+            <a:extLst>
+              <a:ext uri="{FF2B5EF4-FFF2-40B4-BE49-F238E27FC236}">
+                <a16:creationId xmlns:a16="http://schemas.microsoft.com/office/drawing/2014/main" id="{E27952AB-9F8F-D48A-DA13-D0005CA35A15}"/>
+              </a:ext>
+            </a:extLst>
+          </p:cNvPr>
+          <p:cNvPicPr>
+            <a:picLocks noChangeAspect="1"/>
+          </p:cNvPicPr>
+          <p:nvPr/>
+        </p:nvPicPr>
+        <p:blipFill>
+          <a:blip r:embed="rId2"/>
+          <a:stretch>
+            <a:fillRect/>
+          </a:stretch>
+        </p:blipFill>
+        <p:spPr>
+          <a:xfrm>
+            <a:off x="1461069" y="2735873"/>
+            <a:ext cx="7801949" cy="2660373"/>
+          </a:xfrm>
+          <a:prstGeom prst="rect">
+            <a:avLst/>
+          </a:prstGeom>
+        </p:spPr>
+      </p:pic>
+    </p:spTree>
+    <p:extLst>
+      <p:ext uri="{BB962C8B-B14F-4D97-AF65-F5344CB8AC3E}">
+        <p14:creationId xmlns:p14="http://schemas.microsoft.com/office/powerpoint/2010/main" val="3312785228"/>
+      </p:ext>
+    </p:extLst>
+  </p:cSld>
+  <p:clrMapOvr>
+    <a:masterClrMapping/>
+  </p:clrMapOvr>
+</p:sld>
+</file>
+
+<file path=ppt/slides/slide8.xml><?xml version="1.0" encoding="utf-8"?>
+<p:sld xmlns:a="http://schemas.openxmlformats.org/drawingml/2006/main" xmlns:r="http://schemas.openxmlformats.org/officeDocument/2006/relationships" xmlns:p="http://schemas.openxmlformats.org/presentationml/2006/main">
+  <p:cSld>
+    <p:spTree>
+      <p:nvGrpSpPr>
+        <p:cNvPr id="1" name=""/>
+        <p:cNvGrpSpPr/>
+        <p:nvPr/>
+      </p:nvGrpSpPr>
+      <p:grpSpPr>
+        <a:xfrm>
+          <a:off x="0" y="0"/>
+          <a:ext cx="0" cy="0"/>
+          <a:chOff x="0" y="0"/>
+          <a:chExt cx="0" cy="0"/>
+        </a:xfrm>
+      </p:grpSpPr>
+      <p:sp>
+        <p:nvSpPr>
+          <p:cNvPr id="2" name="Title 1">
+            <a:extLst>
+              <a:ext uri="{FF2B5EF4-FFF2-40B4-BE49-F238E27FC236}">
+                <a16:creationId xmlns:a16="http://schemas.microsoft.com/office/drawing/2014/main" id="{52D9C59E-54D1-E79A-73BD-B23877E5DB57}"/>
+              </a:ext>
+            </a:extLst>
+          </p:cNvPr>
+          <p:cNvSpPr>
+            <a:spLocks noGrp="1"/>
+          </p:cNvSpPr>
+          <p:nvPr>
+            <p:ph type="title"/>
+          </p:nvPr>
+        </p:nvSpPr>
+        <p:spPr>
+          <a:xfrm>
+            <a:off x="838200" y="354614"/>
+            <a:ext cx="10515600" cy="1325563"/>
+          </a:xfrm>
+        </p:spPr>
+        <p:txBody>
+          <a:bodyPr/>
+          <a:lstStyle/>
+          <a:p>
+            <a:r>
+              <a:rPr lang="en-US" dirty="0"/>
+              <a:t>HTML/A-frame attributes</a:t>
+            </a:r>
+          </a:p>
+        </p:txBody>
+      </p:sp>
+      <p:sp>
+        <p:nvSpPr>
+          <p:cNvPr id="3" name="Content Placeholder 2">
+            <a:extLst>
+              <a:ext uri="{FF2B5EF4-FFF2-40B4-BE49-F238E27FC236}">
+                <a16:creationId xmlns:a16="http://schemas.microsoft.com/office/drawing/2014/main" id="{3B6497EB-7AB3-3763-A188-97A2338D1E2E}"/>
+              </a:ext>
+            </a:extLst>
+          </p:cNvPr>
+          <p:cNvSpPr>
+            <a:spLocks noGrp="1"/>
+          </p:cNvSpPr>
+          <p:nvPr>
+            <p:ph idx="1"/>
+          </p:nvPr>
+        </p:nvSpPr>
+        <p:spPr/>
+        <p:txBody>
+          <a:bodyPr/>
+          <a:lstStyle/>
+          <a:p>
+            <a:pPr marL="0" indent="0">
+              <a:buNone/>
+            </a:pPr>
+            <a:r>
+              <a:rPr lang="en-US" dirty="0"/>
+              <a:t>transparent="true"</a:t>
+            </a:r>
+          </a:p>
+          <a:p>
+            <a:pPr marL="0" indent="0">
+              <a:buNone/>
+            </a:pPr>
+            <a:r>
+              <a:rPr lang="en-US" dirty="0"/>
+              <a:t>    opacity= "0.25"</a:t>
+            </a:r>
+          </a:p>
+          <a:p>
+            <a:pPr marL="0" indent="0">
+              <a:buNone/>
+            </a:pPr>
+            <a:endParaRPr lang="en-US" dirty="0"/>
+          </a:p>
+          <a:p>
+            <a:pPr marL="0" indent="0">
+              <a:buNone/>
+            </a:pPr>
+            <a:r>
+              <a:rPr lang="en-US" dirty="0"/>
+              <a:t>blending="additive"</a:t>
+            </a:r>
+          </a:p>
+          <a:p>
+            <a:pPr marL="0" indent="0">
+              <a:buNone/>
+            </a:pPr>
+            <a:r>
+              <a:rPr lang="en-US" dirty="0"/>
+              <a:t>    none, normal, additive, subtractive, or multiply</a:t>
+            </a:r>
+          </a:p>
+          <a:p>
+            <a:pPr marL="0" indent="0">
+              <a:buNone/>
+            </a:pPr>
+            <a:r>
+              <a:rPr lang="en-US" dirty="0"/>
+              <a:t>    </a:t>
+            </a:r>
+          </a:p>
+        </p:txBody>
+      </p:sp>
+    </p:spTree>
+    <p:extLst>
+      <p:ext uri="{BB962C8B-B14F-4D97-AF65-F5344CB8AC3E}">
+        <p14:creationId xmlns:p14="http://schemas.microsoft.com/office/powerpoint/2010/main" val="3495663345"/>
+      </p:ext>
+    </p:extLst>
+  </p:cSld>
+  <p:clrMapOvr>
+    <a:masterClrMapping/>
+  </p:clrMapOvr>
+</p:sld>
+</file>
+
+<file path=ppt/slides/slide9.xml><?xml version="1.0" encoding="utf-8"?>
+<p:sld xmlns:a="http://schemas.openxmlformats.org/drawingml/2006/main" xmlns:r="http://schemas.openxmlformats.org/officeDocument/2006/relationships" xmlns:p="http://schemas.openxmlformats.org/presentationml/2006/main">
+  <p:cSld>
+    <p:spTree>
+      <p:nvGrpSpPr>
+        <p:cNvPr id="1" name=""/>
+        <p:cNvGrpSpPr/>
+        <p:nvPr/>
+      </p:nvGrpSpPr>
+      <p:grpSpPr>
+        <a:xfrm>
+          <a:off x="0" y="0"/>
+          <a:ext cx="0" cy="0"/>
+          <a:chOff x="0" y="0"/>
+          <a:chExt cx="0" cy="0"/>
+        </a:xfrm>
+      </p:grpSpPr>
+      <p:sp>
+        <p:nvSpPr>
+          <p:cNvPr id="2" name="Title 1">
+            <a:extLst>
+              <a:ext uri="{FF2B5EF4-FFF2-40B4-BE49-F238E27FC236}">
+                <a16:creationId xmlns:a16="http://schemas.microsoft.com/office/drawing/2014/main" id="{4EEC78BF-F581-C759-06D7-8E6620D8360D}"/>
+              </a:ext>
+            </a:extLst>
+          </p:cNvPr>
+          <p:cNvSpPr>
+            <a:spLocks noGrp="1"/>
+          </p:cNvSpPr>
+          <p:nvPr>
+            <p:ph type="title"/>
+          </p:nvPr>
+        </p:nvSpPr>
+        <p:spPr/>
+        <p:txBody>
+          <a:bodyPr/>
+          <a:lstStyle/>
+          <a:p>
+            <a:r>
+              <a:rPr lang="en-US" dirty="0"/>
+              <a:t>Intersection</a:t>
+            </a:r>
+          </a:p>
+        </p:txBody>
+      </p:sp>
+      <p:pic>
+        <p:nvPicPr>
+          <p:cNvPr id="5" name="Picture 4">
+            <a:extLst>
+              <a:ext uri="{FF2B5EF4-FFF2-40B4-BE49-F238E27FC236}">
+                <a16:creationId xmlns:a16="http://schemas.microsoft.com/office/drawing/2014/main" id="{366432E9-4E9C-22B7-4D5E-8E25A20039B4}"/>
+              </a:ext>
+            </a:extLst>
+          </p:cNvPr>
+          <p:cNvPicPr>
+            <a:picLocks noChangeAspect="1"/>
+          </p:cNvPicPr>
+          <p:nvPr/>
+        </p:nvPicPr>
+        <p:blipFill>
+          <a:blip r:embed="rId2"/>
+          <a:stretch>
+            <a:fillRect/>
+          </a:stretch>
+        </p:blipFill>
+        <p:spPr>
+          <a:xfrm>
+            <a:off x="3819327" y="2215410"/>
+            <a:ext cx="4553345" cy="2427180"/>
+          </a:xfrm>
+          <a:prstGeom prst="rect">
+            <a:avLst/>
+          </a:prstGeom>
+        </p:spPr>
+      </p:pic>
+    </p:spTree>
+    <p:extLst>
+      <p:ext uri="{BB962C8B-B14F-4D97-AF65-F5344CB8AC3E}">
+        <p14:creationId xmlns:p14="http://schemas.microsoft.com/office/powerpoint/2010/main" val="2857207502"/>
       </p:ext>
     </p:extLst>
   </p:cSld>

--- a/p03/A-frame-Boolean-operations.pptx
+++ b/p03/A-frame-Boolean-operations.pptx
@@ -5,19 +5,20 @@
     <p:sldMasterId id="2147483660" r:id="rId1"/>
   </p:sldMasterIdLst>
   <p:notesMasterIdLst>
-    <p:notesMasterId r:id="rId12"/>
+    <p:notesMasterId r:id="rId13"/>
   </p:notesMasterIdLst>
   <p:sldIdLst>
     <p:sldId id="285" r:id="rId2"/>
     <p:sldId id="295" r:id="rId3"/>
     <p:sldId id="259" r:id="rId4"/>
-    <p:sldId id="296" r:id="rId5"/>
-    <p:sldId id="279" r:id="rId6"/>
-    <p:sldId id="283" r:id="rId7"/>
-    <p:sldId id="280" r:id="rId8"/>
-    <p:sldId id="297" r:id="rId9"/>
-    <p:sldId id="294" r:id="rId10"/>
-    <p:sldId id="293" r:id="rId11"/>
+    <p:sldId id="298" r:id="rId5"/>
+    <p:sldId id="296" r:id="rId6"/>
+    <p:sldId id="279" r:id="rId7"/>
+    <p:sldId id="283" r:id="rId8"/>
+    <p:sldId id="280" r:id="rId9"/>
+    <p:sldId id="297" r:id="rId10"/>
+    <p:sldId id="294" r:id="rId11"/>
+    <p:sldId id="293" r:id="rId12"/>
   </p:sldIdLst>
   <p:sldSz cx="12192000" cy="6858000"/>
   <p:notesSz cx="7019925" cy="9305925"/>
@@ -206,7 +207,7 @@
           <a:p>
             <a:fld id="{FA1E3CD0-6E24-4AC0-945A-82AEC1490673}" type="datetimeFigureOut">
               <a:rPr lang="en-US" smtClean="0"/>
-              <a:t>10/19/2024</a:t>
+              <a:t>10/25/2024</a:t>
             </a:fld>
             <a:endParaRPr lang="en-US"/>
           </a:p>
@@ -604,7 +605,7 @@
           <a:p>
             <a:fld id="{846CE7D5-CF57-46EF-B807-FDD0502418D4}" type="datetimeFigureOut">
               <a:rPr lang="en-US" smtClean="0"/>
-              <a:t>10/19/2024</a:t>
+              <a:t>10/25/2024</a:t>
             </a:fld>
             <a:endParaRPr lang="en-US"/>
           </a:p>
@@ -774,7 +775,7 @@
           <a:p>
             <a:fld id="{846CE7D5-CF57-46EF-B807-FDD0502418D4}" type="datetimeFigureOut">
               <a:rPr lang="en-US" smtClean="0"/>
-              <a:t>10/19/2024</a:t>
+              <a:t>10/25/2024</a:t>
             </a:fld>
             <a:endParaRPr lang="en-US"/>
           </a:p>
@@ -954,7 +955,7 @@
           <a:p>
             <a:fld id="{846CE7D5-CF57-46EF-B807-FDD0502418D4}" type="datetimeFigureOut">
               <a:rPr lang="en-US" smtClean="0"/>
-              <a:t>10/19/2024</a:t>
+              <a:t>10/25/2024</a:t>
             </a:fld>
             <a:endParaRPr lang="en-US"/>
           </a:p>
@@ -1124,7 +1125,7 @@
           <a:p>
             <a:fld id="{846CE7D5-CF57-46EF-B807-FDD0502418D4}" type="datetimeFigureOut">
               <a:rPr lang="en-US" smtClean="0"/>
-              <a:t>10/19/2024</a:t>
+              <a:t>10/25/2024</a:t>
             </a:fld>
             <a:endParaRPr lang="en-US"/>
           </a:p>
@@ -1370,7 +1371,7 @@
           <a:p>
             <a:fld id="{846CE7D5-CF57-46EF-B807-FDD0502418D4}" type="datetimeFigureOut">
               <a:rPr lang="en-US" smtClean="0"/>
-              <a:t>10/19/2024</a:t>
+              <a:t>10/25/2024</a:t>
             </a:fld>
             <a:endParaRPr lang="en-US"/>
           </a:p>
@@ -1602,7 +1603,7 @@
           <a:p>
             <a:fld id="{846CE7D5-CF57-46EF-B807-FDD0502418D4}" type="datetimeFigureOut">
               <a:rPr lang="en-US" smtClean="0"/>
-              <a:t>10/19/2024</a:t>
+              <a:t>10/25/2024</a:t>
             </a:fld>
             <a:endParaRPr lang="en-US"/>
           </a:p>
@@ -1969,7 +1970,7 @@
           <a:p>
             <a:fld id="{846CE7D5-CF57-46EF-B807-FDD0502418D4}" type="datetimeFigureOut">
               <a:rPr lang="en-US" smtClean="0"/>
-              <a:t>10/19/2024</a:t>
+              <a:t>10/25/2024</a:t>
             </a:fld>
             <a:endParaRPr lang="en-US"/>
           </a:p>
@@ -2087,7 +2088,7 @@
           <a:p>
             <a:fld id="{846CE7D5-CF57-46EF-B807-FDD0502418D4}" type="datetimeFigureOut">
               <a:rPr lang="en-US" smtClean="0"/>
-              <a:t>10/19/2024</a:t>
+              <a:t>10/25/2024</a:t>
             </a:fld>
             <a:endParaRPr lang="en-US"/>
           </a:p>
@@ -2182,7 +2183,7 @@
           <a:p>
             <a:fld id="{846CE7D5-CF57-46EF-B807-FDD0502418D4}" type="datetimeFigureOut">
               <a:rPr lang="en-US" smtClean="0"/>
-              <a:t>10/19/2024</a:t>
+              <a:t>10/25/2024</a:t>
             </a:fld>
             <a:endParaRPr lang="en-US"/>
           </a:p>
@@ -2459,7 +2460,7 @@
           <a:p>
             <a:fld id="{846CE7D5-CF57-46EF-B807-FDD0502418D4}" type="datetimeFigureOut">
               <a:rPr lang="en-US" smtClean="0"/>
-              <a:t>10/19/2024</a:t>
+              <a:t>10/25/2024</a:t>
             </a:fld>
             <a:endParaRPr lang="en-US"/>
           </a:p>
@@ -2716,7 +2717,7 @@
           <a:p>
             <a:fld id="{846CE7D5-CF57-46EF-B807-FDD0502418D4}" type="datetimeFigureOut">
               <a:rPr lang="en-US" smtClean="0"/>
-              <a:t>10/19/2024</a:t>
+              <a:t>10/25/2024</a:t>
             </a:fld>
             <a:endParaRPr lang="en-US"/>
           </a:p>
@@ -2929,7 +2930,7 @@
           <a:p>
             <a:fld id="{846CE7D5-CF57-46EF-B807-FDD0502418D4}" type="datetimeFigureOut">
               <a:rPr lang="en-US" smtClean="0"/>
-              <a:t>10/19/2024</a:t>
+              <a:t>10/25/2024</a:t>
             </a:fld>
             <a:endParaRPr lang="en-US"/>
           </a:p>
@@ -4623,6 +4624,94 @@
           <a:chExt cx="0" cy="0"/>
         </a:xfrm>
       </p:grpSpPr>
+      <p:sp>
+        <p:nvSpPr>
+          <p:cNvPr id="2" name="Title 1">
+            <a:extLst>
+              <a:ext uri="{FF2B5EF4-FFF2-40B4-BE49-F238E27FC236}">
+                <a16:creationId xmlns:a16="http://schemas.microsoft.com/office/drawing/2014/main" id="{4EEC78BF-F581-C759-06D7-8E6620D8360D}"/>
+              </a:ext>
+            </a:extLst>
+          </p:cNvPr>
+          <p:cNvSpPr>
+            <a:spLocks noGrp="1"/>
+          </p:cNvSpPr>
+          <p:nvPr>
+            <p:ph type="title"/>
+          </p:nvPr>
+        </p:nvSpPr>
+        <p:spPr/>
+        <p:txBody>
+          <a:bodyPr/>
+          <a:lstStyle/>
+          <a:p>
+            <a:r>
+              <a:rPr lang="en-US" dirty="0"/>
+              <a:t>Intersection</a:t>
+            </a:r>
+          </a:p>
+        </p:txBody>
+      </p:sp>
+      <p:pic>
+        <p:nvPicPr>
+          <p:cNvPr id="5" name="Picture 4">
+            <a:extLst>
+              <a:ext uri="{FF2B5EF4-FFF2-40B4-BE49-F238E27FC236}">
+                <a16:creationId xmlns:a16="http://schemas.microsoft.com/office/drawing/2014/main" id="{366432E9-4E9C-22B7-4D5E-8E25A20039B4}"/>
+              </a:ext>
+            </a:extLst>
+          </p:cNvPr>
+          <p:cNvPicPr>
+            <a:picLocks noChangeAspect="1"/>
+          </p:cNvPicPr>
+          <p:nvPr/>
+        </p:nvPicPr>
+        <p:blipFill>
+          <a:blip r:embed="rId2"/>
+          <a:stretch>
+            <a:fillRect/>
+          </a:stretch>
+        </p:blipFill>
+        <p:spPr>
+          <a:xfrm>
+            <a:off x="3819327" y="2215410"/>
+            <a:ext cx="4553345" cy="2427180"/>
+          </a:xfrm>
+          <a:prstGeom prst="rect">
+            <a:avLst/>
+          </a:prstGeom>
+        </p:spPr>
+      </p:pic>
+    </p:spTree>
+    <p:extLst>
+      <p:ext uri="{BB962C8B-B14F-4D97-AF65-F5344CB8AC3E}">
+        <p14:creationId xmlns:p14="http://schemas.microsoft.com/office/powerpoint/2010/main" val="2857207502"/>
+      </p:ext>
+    </p:extLst>
+  </p:cSld>
+  <p:clrMapOvr>
+    <a:masterClrMapping/>
+  </p:clrMapOvr>
+</p:sld>
+</file>
+
+<file path=ppt/slides/slide11.xml><?xml version="1.0" encoding="utf-8"?>
+<p:sld xmlns:a="http://schemas.openxmlformats.org/drawingml/2006/main" xmlns:r="http://schemas.openxmlformats.org/officeDocument/2006/relationships" xmlns:p="http://schemas.openxmlformats.org/presentationml/2006/main">
+  <p:cSld>
+    <p:spTree>
+      <p:nvGrpSpPr>
+        <p:cNvPr id="1" name=""/>
+        <p:cNvGrpSpPr/>
+        <p:nvPr/>
+      </p:nvGrpSpPr>
+      <p:grpSpPr>
+        <a:xfrm>
+          <a:off x="0" y="0"/>
+          <a:ext cx="0" cy="0"/>
+          <a:chOff x="0" y="0"/>
+          <a:chExt cx="0" cy="0"/>
+        </a:xfrm>
+      </p:grpSpPr>
       <p:pic>
         <p:nvPicPr>
           <p:cNvPr id="2" name="Picture 1">
@@ -4732,7 +4821,7 @@
         </p:blipFill>
         <p:spPr>
           <a:xfrm>
-            <a:off x="3321423" y="1690688"/>
+            <a:off x="3596172" y="1262997"/>
             <a:ext cx="5166479" cy="4332006"/>
           </a:xfrm>
           <a:prstGeom prst="rect">
@@ -4740,6 +4829,44 @@
           </a:prstGeom>
         </p:spPr>
       </p:pic>
+      <p:sp>
+        <p:nvSpPr>
+          <p:cNvPr id="3" name="TextBox 2">
+            <a:extLst>
+              <a:ext uri="{FF2B5EF4-FFF2-40B4-BE49-F238E27FC236}">
+                <a16:creationId xmlns:a16="http://schemas.microsoft.com/office/drawing/2014/main" id="{3EFCC0FD-592B-6E08-78CB-708171DB7098}"/>
+              </a:ext>
+            </a:extLst>
+          </p:cNvPr>
+          <p:cNvSpPr txBox="1"/>
+          <p:nvPr/>
+        </p:nvSpPr>
+        <p:spPr>
+          <a:xfrm>
+            <a:off x="4863921" y="5799786"/>
+            <a:ext cx="1614737" cy="369332"/>
+          </a:xfrm>
+          <a:prstGeom prst="rect">
+            <a:avLst/>
+          </a:prstGeom>
+          <a:noFill/>
+        </p:spPr>
+        <p:txBody>
+          <a:bodyPr wrap="none" rtlCol="0">
+            <a:spAutoFit/>
+          </a:bodyPr>
+          <a:lstStyle/>
+          <a:p>
+            <a:r>
+              <a:rPr lang="en-US" dirty="0">
+                <a:hlinkClick r:id="rId3"/>
+              </a:rPr>
+              <a:t>Sphere-in-cube</a:t>
+            </a:r>
+            <a:endParaRPr lang="en-US" dirty="0"/>
+          </a:p>
+        </p:txBody>
+      </p:sp>
     </p:spTree>
     <p:extLst>
       <p:ext uri="{BB962C8B-B14F-4D97-AF65-F5344CB8AC3E}">
@@ -4977,7 +5104,7 @@
           <p:cNvPr id="2" name="Title 1">
             <a:extLst>
               <a:ext uri="{FF2B5EF4-FFF2-40B4-BE49-F238E27FC236}">
-                <a16:creationId xmlns:a16="http://schemas.microsoft.com/office/drawing/2014/main" id="{D97A8104-72A9-310F-7BA5-B5F2D1F46021}"/>
+                <a16:creationId xmlns:a16="http://schemas.microsoft.com/office/drawing/2014/main" id="{FDD77BC6-CDB7-E571-CE2C-698A0CA1061D}"/>
               </a:ext>
             </a:extLst>
           </p:cNvPr>
@@ -4995,116 +5122,204 @@
           <a:p>
             <a:r>
               <a:rPr lang="en-US" dirty="0"/>
-              <a:t>Compliments/Intersections with colors</a:t>
-            </a:r>
-          </a:p>
-        </p:txBody>
-      </p:sp>
-      <p:sp>
-        <p:nvSpPr>
-          <p:cNvPr id="4" name="Rectangle 3">
+              <a:t>Colors in A-frame</a:t>
+            </a:r>
+          </a:p>
+        </p:txBody>
+      </p:sp>
+      <p:sp>
+        <p:nvSpPr>
+          <p:cNvPr id="3" name="Content Placeholder 2">
             <a:extLst>
               <a:ext uri="{FF2B5EF4-FFF2-40B4-BE49-F238E27FC236}">
-                <a16:creationId xmlns:a16="http://schemas.microsoft.com/office/drawing/2014/main" id="{160886D5-A9A3-4096-9D4E-BA7782A149E3}"/>
+                <a16:creationId xmlns:a16="http://schemas.microsoft.com/office/drawing/2014/main" id="{654E4326-F21B-DDC8-0D94-A05B597C633A}"/>
               </a:ext>
             </a:extLst>
           </p:cNvPr>
-          <p:cNvSpPr/>
-          <p:nvPr/>
-        </p:nvSpPr>
-        <p:spPr>
-          <a:xfrm>
-            <a:off x="2837793" y="2103437"/>
-            <a:ext cx="1639614" cy="1325563"/>
-          </a:xfrm>
-          <a:prstGeom prst="rect">
-            <a:avLst/>
-          </a:prstGeom>
-        </p:spPr>
-        <p:style>
-          <a:lnRef idx="2">
-            <a:schemeClr val="dk1">
-              <a:shade val="15000"/>
-            </a:schemeClr>
-          </a:lnRef>
-          <a:fillRef idx="1">
-            <a:schemeClr val="dk1"/>
-          </a:fillRef>
-          <a:effectRef idx="0">
-            <a:schemeClr val="dk1"/>
-          </a:effectRef>
-          <a:fontRef idx="minor">
-            <a:schemeClr val="lt1"/>
-          </a:fontRef>
-        </p:style>
-        <p:txBody>
-          <a:bodyPr rtlCol="0" anchor="ctr"/>
-          <a:lstStyle/>
-          <a:p>
-            <a:pPr algn="ctr"/>
+          <p:cNvSpPr>
+            <a:spLocks noGrp="1"/>
+          </p:cNvSpPr>
+          <p:nvPr>
+            <p:ph idx="1"/>
+          </p:nvPr>
+        </p:nvSpPr>
+        <p:spPr/>
+        <p:txBody>
+          <a:bodyPr>
+            <a:normAutofit lnSpcReduction="10000"/>
+          </a:bodyPr>
+          <a:lstStyle/>
+          <a:p>
+            <a:pPr marL="0" indent="0">
+              <a:buNone/>
+            </a:pPr>
             <a:r>
               <a:rPr lang="en-US" dirty="0"/>
-              <a:t>00 00 00</a:t>
-            </a:r>
-          </a:p>
-        </p:txBody>
-      </p:sp>
-      <p:sp>
-        <p:nvSpPr>
-          <p:cNvPr id="5" name="Rectangle 4">
-            <a:extLst>
-              <a:ext uri="{FF2B5EF4-FFF2-40B4-BE49-F238E27FC236}">
-                <a16:creationId xmlns:a16="http://schemas.microsoft.com/office/drawing/2014/main" id="{FC95397A-2CBD-8D8A-E593-C73C4A9C46D8}"/>
-              </a:ext>
-            </a:extLst>
-          </p:cNvPr>
-          <p:cNvSpPr/>
-          <p:nvPr/>
-        </p:nvSpPr>
-        <p:spPr>
-          <a:xfrm>
-            <a:off x="6074981" y="2144219"/>
-            <a:ext cx="1639614" cy="1325563"/>
-          </a:xfrm>
-          <a:prstGeom prst="rect">
-            <a:avLst/>
-          </a:prstGeom>
-        </p:spPr>
-        <p:style>
-          <a:lnRef idx="2">
-            <a:schemeClr val="accent6"/>
-          </a:lnRef>
-          <a:fillRef idx="1">
-            <a:schemeClr val="lt1"/>
-          </a:fillRef>
-          <a:effectRef idx="0">
-            <a:schemeClr val="accent6"/>
-          </a:effectRef>
-          <a:fontRef idx="minor">
-            <a:schemeClr val="dk1"/>
-          </a:fontRef>
-        </p:style>
-        <p:txBody>
-          <a:bodyPr rtlCol="0" anchor="ctr"/>
-          <a:lstStyle/>
-          <a:p>
-            <a:pPr algn="ctr"/>
+              <a:t>RGB for screens – additive colors since pixels are additive</a:t>
+            </a:r>
+          </a:p>
+          <a:p>
+            <a:pPr marL="0" indent="0">
+              <a:buNone/>
+            </a:pPr>
+            <a:endParaRPr lang="en-US" dirty="0"/>
+          </a:p>
+          <a:p>
+            <a:pPr marL="0" indent="0">
+              <a:buNone/>
+            </a:pPr>
             <a:r>
               <a:rPr lang="en-US" dirty="0"/>
-              <a:t>FF </a:t>
-            </a:r>
-            <a:r>
-              <a:rPr lang="en-US" dirty="0" err="1"/>
+              <a:t>CMYK for physical color printing like paper –subtractive</a:t>
+            </a:r>
+          </a:p>
+          <a:p>
+            <a:pPr marL="0" indent="0">
+              <a:buNone/>
+            </a:pPr>
+            <a:r>
+              <a:rPr lang="en-US" dirty="0"/>
+              <a:t>Cyan – absorbs red and reflects green and blue</a:t>
+            </a:r>
+          </a:p>
+          <a:p>
+            <a:pPr marL="0" indent="0">
+              <a:buNone/>
+            </a:pPr>
+            <a:r>
+              <a:rPr lang="en-US" dirty="0"/>
+              <a:t>	color=“#</a:t>
+            </a:r>
+            <a:r>
+              <a:rPr lang="en-US" dirty="0">
+                <a:solidFill>
+                  <a:srgbClr val="FF0000"/>
+                </a:solidFill>
+              </a:rPr>
+              <a:t>00</a:t>
+            </a:r>
+            <a:r>
+              <a:rPr lang="en-US" dirty="0">
+                <a:solidFill>
+                  <a:srgbClr val="00B050"/>
+                </a:solidFill>
+              </a:rPr>
               <a:t>FF</a:t>
             </a:r>
             <a:r>
+              <a:rPr lang="en-US" dirty="0">
+                <a:solidFill>
+                  <a:srgbClr val="0070C0"/>
+                </a:solidFill>
+              </a:rPr>
+              <a:t>FF</a:t>
+            </a:r>
+            <a:r>
               <a:rPr lang="en-US" dirty="0"/>
-              <a:t> </a:t>
-            </a:r>
-            <a:r>
-              <a:rPr lang="en-US" dirty="0" err="1"/>
+              <a:t>”</a:t>
+            </a:r>
+          </a:p>
+          <a:p>
+            <a:pPr marL="0" indent="0">
+              <a:buNone/>
+            </a:pPr>
+            <a:r>
+              <a:rPr lang="en-US" dirty="0"/>
+              <a:t>Magenta – absorbs green and reflects red and blue</a:t>
+            </a:r>
+          </a:p>
+          <a:p>
+            <a:pPr marL="0" indent="0">
+              <a:buNone/>
+            </a:pPr>
+            <a:r>
+              <a:rPr lang="en-US" dirty="0"/>
+              <a:t>	color=“#</a:t>
+            </a:r>
+            <a:r>
+              <a:rPr lang="en-US" dirty="0">
+                <a:solidFill>
+                  <a:srgbClr val="FF0000"/>
+                </a:solidFill>
+              </a:rPr>
               <a:t>FF</a:t>
             </a:r>
+            <a:r>
+              <a:rPr lang="en-US" dirty="0">
+                <a:solidFill>
+                  <a:srgbClr val="00B050"/>
+                </a:solidFill>
+              </a:rPr>
+              <a:t>00</a:t>
+            </a:r>
+            <a:r>
+              <a:rPr lang="en-US" dirty="0">
+                <a:solidFill>
+                  <a:srgbClr val="0070C0"/>
+                </a:solidFill>
+              </a:rPr>
+              <a:t>FF</a:t>
+            </a:r>
+            <a:r>
+              <a:rPr lang="en-US" dirty="0"/>
+              <a:t>”</a:t>
+            </a:r>
+          </a:p>
+          <a:p>
+            <a:pPr marL="0" indent="0">
+              <a:buNone/>
+            </a:pPr>
+            <a:r>
+              <a:rPr lang="en-US" dirty="0"/>
+              <a:t>Yellow – absorbs blue and reflects red and green</a:t>
+            </a:r>
+          </a:p>
+          <a:p>
+            <a:pPr marL="0" indent="0">
+              <a:buNone/>
+            </a:pPr>
+            <a:r>
+              <a:rPr lang="en-US" dirty="0"/>
+              <a:t>	</a:t>
+            </a:r>
+            <a:r>
+              <a:rPr lang="en-US"/>
+              <a:t>color=“#</a:t>
+            </a:r>
+            <a:r>
+              <a:rPr lang="en-US">
+                <a:solidFill>
+                  <a:srgbClr val="FF0000"/>
+                </a:solidFill>
+              </a:rPr>
+              <a:t>FF</a:t>
+            </a:r>
+            <a:r>
+              <a:rPr lang="en-US">
+                <a:solidFill>
+                  <a:srgbClr val="00B050"/>
+                </a:solidFill>
+              </a:rPr>
+              <a:t>FF</a:t>
+            </a:r>
+            <a:r>
+              <a:rPr lang="en-US">
+                <a:solidFill>
+                  <a:srgbClr val="0070C0"/>
+                </a:solidFill>
+              </a:rPr>
+              <a:t>00</a:t>
+            </a:r>
+            <a:r>
+              <a:rPr lang="en-US"/>
+              <a:t>”</a:t>
+            </a:r>
+            <a:endParaRPr lang="en-US" dirty="0"/>
+          </a:p>
+          <a:p>
+            <a:pPr marL="0" indent="0">
+              <a:buNone/>
+            </a:pPr>
             <a:endParaRPr lang="en-US" dirty="0"/>
           </a:p>
         </p:txBody>
@@ -5112,7 +5327,7 @@
     </p:spTree>
     <p:extLst>
       <p:ext uri="{BB962C8B-B14F-4D97-AF65-F5344CB8AC3E}">
-        <p14:creationId xmlns:p14="http://schemas.microsoft.com/office/powerpoint/2010/main" val="2136672843"/>
+        <p14:creationId xmlns:p14="http://schemas.microsoft.com/office/powerpoint/2010/main" val="2121749264"/>
       </p:ext>
     </p:extLst>
   </p:cSld>
@@ -5144,7 +5359,7 @@
           <p:cNvPr id="2" name="Title 1">
             <a:extLst>
               <a:ext uri="{FF2B5EF4-FFF2-40B4-BE49-F238E27FC236}">
-                <a16:creationId xmlns:a16="http://schemas.microsoft.com/office/drawing/2014/main" id="{DE859745-9910-DD37-8812-5CD4D7F20FC6}"/>
+                <a16:creationId xmlns:a16="http://schemas.microsoft.com/office/drawing/2014/main" id="{D97A8104-72A9-310F-7BA5-B5F2D1F46021}"/>
               </a:ext>
             </a:extLst>
           </p:cNvPr>
@@ -5161,136 +5376,125 @@
           <a:lstStyle/>
           <a:p>
             <a:r>
-              <a:rPr lang="en-US" b="1" dirty="0">
-                <a:solidFill>
-                  <a:srgbClr val="0070C0"/>
-                </a:solidFill>
-              </a:rPr>
-              <a:t>Several geometric components: classic</a:t>
-            </a:r>
-          </a:p>
-        </p:txBody>
-      </p:sp>
-      <p:sp>
-        <p:nvSpPr>
-          <p:cNvPr id="3" name="Content Placeholder 2">
+              <a:rPr lang="en-US" dirty="0"/>
+              <a:t>Compliments/Intersections with colors</a:t>
+            </a:r>
+          </a:p>
+        </p:txBody>
+      </p:sp>
+      <p:sp>
+        <p:nvSpPr>
+          <p:cNvPr id="4" name="Rectangle 3">
             <a:extLst>
               <a:ext uri="{FF2B5EF4-FFF2-40B4-BE49-F238E27FC236}">
-                <a16:creationId xmlns:a16="http://schemas.microsoft.com/office/drawing/2014/main" id="{8C1F06FB-1A25-3FB9-145E-D9CEB945C343}"/>
+                <a16:creationId xmlns:a16="http://schemas.microsoft.com/office/drawing/2014/main" id="{160886D5-A9A3-4096-9D4E-BA7782A149E3}"/>
               </a:ext>
             </a:extLst>
           </p:cNvPr>
-          <p:cNvSpPr>
-            <a:spLocks noGrp="1"/>
-          </p:cNvSpPr>
-          <p:nvPr>
-            <p:ph idx="1"/>
-          </p:nvPr>
+          <p:cNvSpPr/>
+          <p:nvPr/>
         </p:nvSpPr>
         <p:spPr>
           <a:xfrm>
-            <a:off x="419100" y="1838151"/>
-            <a:ext cx="11353800" cy="4654724"/>
+            <a:off x="2837793" y="2103437"/>
+            <a:ext cx="1639614" cy="1325563"/>
           </a:xfrm>
+          <a:prstGeom prst="rect">
+            <a:avLst/>
+          </a:prstGeom>
         </p:spPr>
-        <p:txBody>
-          <a:bodyPr>
-            <a:normAutofit/>
-          </a:bodyPr>
-          <a:lstStyle/>
-          <a:p>
-            <a:pPr marL="0" indent="0">
-              <a:buNone/>
-            </a:pPr>
+        <p:style>
+          <a:lnRef idx="2">
+            <a:schemeClr val="dk1">
+              <a:shade val="15000"/>
+            </a:schemeClr>
+          </a:lnRef>
+          <a:fillRef idx="1">
+            <a:schemeClr val="dk1"/>
+          </a:fillRef>
+          <a:effectRef idx="0">
+            <a:schemeClr val="dk1"/>
+          </a:effectRef>
+          <a:fontRef idx="minor">
+            <a:schemeClr val="lt1"/>
+          </a:fontRef>
+        </p:style>
+        <p:txBody>
+          <a:bodyPr rtlCol="0" anchor="ctr"/>
+          <a:lstStyle/>
+          <a:p>
+            <a:pPr algn="ctr"/>
             <a:r>
               <a:rPr lang="en-US" dirty="0"/>
-              <a:t>&lt;a-box position="-1   0.5   -3" rotation="0 45 0" color=“red"&gt;&lt;/a-box&gt;</a:t>
-            </a:r>
-          </a:p>
-          <a:p>
-            <a:pPr marL="0" indent="0">
-              <a:buNone/>
-            </a:pPr>
+              <a:t>00 00 00</a:t>
+            </a:r>
+          </a:p>
+        </p:txBody>
+      </p:sp>
+      <p:sp>
+        <p:nvSpPr>
+          <p:cNvPr id="5" name="Rectangle 4">
+            <a:extLst>
+              <a:ext uri="{FF2B5EF4-FFF2-40B4-BE49-F238E27FC236}">
+                <a16:creationId xmlns:a16="http://schemas.microsoft.com/office/drawing/2014/main" id="{FC95397A-2CBD-8D8A-E593-C73C4A9C46D8}"/>
+              </a:ext>
+            </a:extLst>
+          </p:cNvPr>
+          <p:cNvSpPr/>
+          <p:nvPr/>
+        </p:nvSpPr>
+        <p:spPr>
+          <a:xfrm>
+            <a:off x="6074981" y="2144219"/>
+            <a:ext cx="1639614" cy="1325563"/>
+          </a:xfrm>
+          <a:prstGeom prst="rect">
+            <a:avLst/>
+          </a:prstGeom>
+        </p:spPr>
+        <p:style>
+          <a:lnRef idx="2">
+            <a:schemeClr val="accent6"/>
+          </a:lnRef>
+          <a:fillRef idx="1">
+            <a:schemeClr val="lt1"/>
+          </a:fillRef>
+          <a:effectRef idx="0">
+            <a:schemeClr val="accent6"/>
+          </a:effectRef>
+          <a:fontRef idx="minor">
+            <a:schemeClr val="dk1"/>
+          </a:fontRef>
+        </p:style>
+        <p:txBody>
+          <a:bodyPr rtlCol="0" anchor="ctr"/>
+          <a:lstStyle/>
+          <a:p>
+            <a:pPr algn="ctr"/>
+            <a:r>
+              <a:rPr lang="en-US" dirty="0"/>
+              <a:t>FF </a:t>
+            </a:r>
+            <a:r>
+              <a:rPr lang="en-US" dirty="0" err="1"/>
+              <a:t>FF</a:t>
+            </a:r>
+            <a:r>
+              <a:rPr lang="en-US" dirty="0"/>
+              <a:t> </a:t>
+            </a:r>
+            <a:r>
+              <a:rPr lang="en-US" dirty="0" err="1"/>
+              <a:t>FF</a:t>
+            </a:r>
             <a:endParaRPr lang="en-US" dirty="0"/>
-          </a:p>
-          <a:p>
-            <a:pPr marL="0" indent="0">
-              <a:buNone/>
-            </a:pPr>
-            <a:r>
-              <a:rPr lang="en-US" dirty="0"/>
-              <a:t>&lt;a-sphere position="0   1.25   -5" radius="1.25" color=“blue“&gt;&lt;/a-sphere&gt;</a:t>
-            </a:r>
-          </a:p>
-          <a:p>
-            <a:pPr marL="0" indent="0">
-              <a:buNone/>
-            </a:pPr>
-            <a:endParaRPr lang="en-US" dirty="0"/>
-          </a:p>
-          <a:p>
-            <a:pPr marL="0" indent="0">
-              <a:buNone/>
-            </a:pPr>
-            <a:r>
-              <a:rPr lang="en-US" dirty="0"/>
-              <a:t>&lt;a-plane position="0 0 -4"            </a:t>
-            </a:r>
-            <a:r>
-              <a:rPr lang="en-US" dirty="0">
-                <a:solidFill>
-                  <a:srgbClr val="FF0000"/>
-                </a:solidFill>
-              </a:rPr>
-              <a:t>{2,3,4}-planes-intersecting.html</a:t>
-            </a:r>
-          </a:p>
-          <a:p>
-            <a:pPr marL="0" indent="0">
-              <a:buNone/>
-            </a:pPr>
-            <a:r>
-              <a:rPr lang="en-US" dirty="0">
-                <a:solidFill>
-                  <a:schemeClr val="accent1"/>
-                </a:solidFill>
-              </a:rPr>
-              <a:t>	rotation="-90 0 0" </a:t>
-            </a:r>
-          </a:p>
-          <a:p>
-            <a:pPr marL="0" indent="0">
-              <a:buNone/>
-            </a:pPr>
-            <a:r>
-              <a:rPr lang="en-US" dirty="0"/>
-              <a:t>	width="4" </a:t>
-            </a:r>
-          </a:p>
-          <a:p>
-            <a:pPr marL="0" indent="0">
-              <a:buNone/>
-            </a:pPr>
-            <a:r>
-              <a:rPr lang="en-US" dirty="0"/>
-              <a:t>	height="4" </a:t>
-            </a:r>
-          </a:p>
-          <a:p>
-            <a:pPr marL="0" indent="0">
-              <a:buNone/>
-            </a:pPr>
-            <a:r>
-              <a:rPr lang="en-US" dirty="0"/>
-              <a:t>	color=“3cb371"&gt;&lt;/a-plane&gt;</a:t>
-            </a:r>
           </a:p>
         </p:txBody>
       </p:sp>
     </p:spTree>
     <p:extLst>
       <p:ext uri="{BB962C8B-B14F-4D97-AF65-F5344CB8AC3E}">
-        <p14:creationId xmlns:p14="http://schemas.microsoft.com/office/powerpoint/2010/main" val="2157119807"/>
+        <p14:creationId xmlns:p14="http://schemas.microsoft.com/office/powerpoint/2010/main" val="2136672843"/>
       </p:ext>
     </p:extLst>
   </p:cSld>
@@ -5344,6 +5548,184 @@
                   <a:srgbClr val="0070C0"/>
                 </a:solidFill>
               </a:rPr>
+              <a:t>Several geometric components: classic</a:t>
+            </a:r>
+          </a:p>
+        </p:txBody>
+      </p:sp>
+      <p:sp>
+        <p:nvSpPr>
+          <p:cNvPr id="3" name="Content Placeholder 2">
+            <a:extLst>
+              <a:ext uri="{FF2B5EF4-FFF2-40B4-BE49-F238E27FC236}">
+                <a16:creationId xmlns:a16="http://schemas.microsoft.com/office/drawing/2014/main" id="{8C1F06FB-1A25-3FB9-145E-D9CEB945C343}"/>
+              </a:ext>
+            </a:extLst>
+          </p:cNvPr>
+          <p:cNvSpPr>
+            <a:spLocks noGrp="1"/>
+          </p:cNvSpPr>
+          <p:nvPr>
+            <p:ph idx="1"/>
+          </p:nvPr>
+        </p:nvSpPr>
+        <p:spPr>
+          <a:xfrm>
+            <a:off x="419100" y="1838151"/>
+            <a:ext cx="11353800" cy="4654724"/>
+          </a:xfrm>
+        </p:spPr>
+        <p:txBody>
+          <a:bodyPr>
+            <a:normAutofit/>
+          </a:bodyPr>
+          <a:lstStyle/>
+          <a:p>
+            <a:pPr marL="0" indent="0">
+              <a:buNone/>
+            </a:pPr>
+            <a:r>
+              <a:rPr lang="en-US" dirty="0"/>
+              <a:t>&lt;a-box position="-1   0.5   -3" rotation="0 45 0" color=“red"&gt;&lt;/a-box&gt;</a:t>
+            </a:r>
+          </a:p>
+          <a:p>
+            <a:pPr marL="0" indent="0">
+              <a:buNone/>
+            </a:pPr>
+            <a:endParaRPr lang="en-US" dirty="0"/>
+          </a:p>
+          <a:p>
+            <a:pPr marL="0" indent="0">
+              <a:buNone/>
+            </a:pPr>
+            <a:r>
+              <a:rPr lang="en-US" dirty="0"/>
+              <a:t>&lt;a-sphere position="0   1.25   -5" radius="1.25" color=“blue“&gt;&lt;/a-sphere&gt;</a:t>
+            </a:r>
+          </a:p>
+          <a:p>
+            <a:pPr marL="0" indent="0">
+              <a:buNone/>
+            </a:pPr>
+            <a:endParaRPr lang="en-US" dirty="0"/>
+          </a:p>
+          <a:p>
+            <a:pPr marL="0" indent="0">
+              <a:buNone/>
+            </a:pPr>
+            <a:r>
+              <a:rPr lang="en-US" dirty="0"/>
+              <a:t>&lt;a-plane position="0 0 -4"            </a:t>
+            </a:r>
+            <a:r>
+              <a:rPr lang="en-US" dirty="0">
+                <a:solidFill>
+                  <a:srgbClr val="FF0000"/>
+                </a:solidFill>
+              </a:rPr>
+              <a:t>{2,3,4}-planes-intersecting.html</a:t>
+            </a:r>
+          </a:p>
+          <a:p>
+            <a:pPr marL="0" indent="0">
+              <a:buNone/>
+            </a:pPr>
+            <a:r>
+              <a:rPr lang="en-US" dirty="0">
+                <a:solidFill>
+                  <a:schemeClr val="accent1"/>
+                </a:solidFill>
+              </a:rPr>
+              <a:t>	rotation="-90 0 0" </a:t>
+            </a:r>
+          </a:p>
+          <a:p>
+            <a:pPr marL="0" indent="0">
+              <a:buNone/>
+            </a:pPr>
+            <a:r>
+              <a:rPr lang="en-US" dirty="0"/>
+              <a:t>	width="4" </a:t>
+            </a:r>
+          </a:p>
+          <a:p>
+            <a:pPr marL="0" indent="0">
+              <a:buNone/>
+            </a:pPr>
+            <a:r>
+              <a:rPr lang="en-US" dirty="0"/>
+              <a:t>	height="4" </a:t>
+            </a:r>
+          </a:p>
+          <a:p>
+            <a:pPr marL="0" indent="0">
+              <a:buNone/>
+            </a:pPr>
+            <a:r>
+              <a:rPr lang="en-US" dirty="0"/>
+              <a:t>	color=“3cb371"&gt;&lt;/a-plane&gt;</a:t>
+            </a:r>
+          </a:p>
+        </p:txBody>
+      </p:sp>
+    </p:spTree>
+    <p:extLst>
+      <p:ext uri="{BB962C8B-B14F-4D97-AF65-F5344CB8AC3E}">
+        <p14:creationId xmlns:p14="http://schemas.microsoft.com/office/powerpoint/2010/main" val="2157119807"/>
+      </p:ext>
+    </p:extLst>
+  </p:cSld>
+  <p:clrMapOvr>
+    <a:masterClrMapping/>
+  </p:clrMapOvr>
+</p:sld>
+</file>
+
+<file path=ppt/slides/slide7.xml><?xml version="1.0" encoding="utf-8"?>
+<p:sld xmlns:a="http://schemas.openxmlformats.org/drawingml/2006/main" xmlns:r="http://schemas.openxmlformats.org/officeDocument/2006/relationships" xmlns:p="http://schemas.openxmlformats.org/presentationml/2006/main">
+  <p:cSld>
+    <p:spTree>
+      <p:nvGrpSpPr>
+        <p:cNvPr id="1" name=""/>
+        <p:cNvGrpSpPr/>
+        <p:nvPr/>
+      </p:nvGrpSpPr>
+      <p:grpSpPr>
+        <a:xfrm>
+          <a:off x="0" y="0"/>
+          <a:ext cx="0" cy="0"/>
+          <a:chOff x="0" y="0"/>
+          <a:chExt cx="0" cy="0"/>
+        </a:xfrm>
+      </p:grpSpPr>
+      <p:sp>
+        <p:nvSpPr>
+          <p:cNvPr id="2" name="Title 1">
+            <a:extLst>
+              <a:ext uri="{FF2B5EF4-FFF2-40B4-BE49-F238E27FC236}">
+                <a16:creationId xmlns:a16="http://schemas.microsoft.com/office/drawing/2014/main" id="{DE859745-9910-DD37-8812-5CD4D7F20FC6}"/>
+              </a:ext>
+            </a:extLst>
+          </p:cNvPr>
+          <p:cNvSpPr>
+            <a:spLocks noGrp="1"/>
+          </p:cNvSpPr>
+          <p:nvPr>
+            <p:ph type="title"/>
+          </p:nvPr>
+        </p:nvSpPr>
+        <p:spPr/>
+        <p:txBody>
+          <a:bodyPr/>
+          <a:lstStyle/>
+          <a:p>
+            <a:r>
+              <a:rPr lang="en-US" b="1" dirty="0">
+                <a:solidFill>
+                  <a:srgbClr val="0070C0"/>
+                </a:solidFill>
+              </a:rPr>
               <a:t>Famous: Several geometric components</a:t>
             </a:r>
           </a:p>
@@ -5481,7 +5863,7 @@
 </p:sld>
 </file>
 
-<file path=ppt/slides/slide7.xml><?xml version="1.0" encoding="utf-8"?>
+<file path=ppt/slides/slide8.xml><?xml version="1.0" encoding="utf-8"?>
 <p:sld xmlns:a="http://schemas.openxmlformats.org/drawingml/2006/main" xmlns:r="http://schemas.openxmlformats.org/officeDocument/2006/relationships" xmlns:p="http://schemas.openxmlformats.org/presentationml/2006/main">
   <p:cSld>
     <p:spTree>
@@ -5600,142 +5982,6 @@
 </p:sld>
 </file>
 
-<file path=ppt/slides/slide8.xml><?xml version="1.0" encoding="utf-8"?>
-<p:sld xmlns:a="http://schemas.openxmlformats.org/drawingml/2006/main" xmlns:r="http://schemas.openxmlformats.org/officeDocument/2006/relationships" xmlns:p="http://schemas.openxmlformats.org/presentationml/2006/main">
-  <p:cSld>
-    <p:spTree>
-      <p:nvGrpSpPr>
-        <p:cNvPr id="1" name=""/>
-        <p:cNvGrpSpPr/>
-        <p:nvPr/>
-      </p:nvGrpSpPr>
-      <p:grpSpPr>
-        <a:xfrm>
-          <a:off x="0" y="0"/>
-          <a:ext cx="0" cy="0"/>
-          <a:chOff x="0" y="0"/>
-          <a:chExt cx="0" cy="0"/>
-        </a:xfrm>
-      </p:grpSpPr>
-      <p:sp>
-        <p:nvSpPr>
-          <p:cNvPr id="2" name="Title 1">
-            <a:extLst>
-              <a:ext uri="{FF2B5EF4-FFF2-40B4-BE49-F238E27FC236}">
-                <a16:creationId xmlns:a16="http://schemas.microsoft.com/office/drawing/2014/main" id="{52D9C59E-54D1-E79A-73BD-B23877E5DB57}"/>
-              </a:ext>
-            </a:extLst>
-          </p:cNvPr>
-          <p:cNvSpPr>
-            <a:spLocks noGrp="1"/>
-          </p:cNvSpPr>
-          <p:nvPr>
-            <p:ph type="title"/>
-          </p:nvPr>
-        </p:nvSpPr>
-        <p:spPr>
-          <a:xfrm>
-            <a:off x="838200" y="354614"/>
-            <a:ext cx="10515600" cy="1325563"/>
-          </a:xfrm>
-        </p:spPr>
-        <p:txBody>
-          <a:bodyPr/>
-          <a:lstStyle/>
-          <a:p>
-            <a:r>
-              <a:rPr lang="en-US" dirty="0"/>
-              <a:t>HTML/A-frame attributes</a:t>
-            </a:r>
-          </a:p>
-        </p:txBody>
-      </p:sp>
-      <p:sp>
-        <p:nvSpPr>
-          <p:cNvPr id="3" name="Content Placeholder 2">
-            <a:extLst>
-              <a:ext uri="{FF2B5EF4-FFF2-40B4-BE49-F238E27FC236}">
-                <a16:creationId xmlns:a16="http://schemas.microsoft.com/office/drawing/2014/main" id="{3B6497EB-7AB3-3763-A188-97A2338D1E2E}"/>
-              </a:ext>
-            </a:extLst>
-          </p:cNvPr>
-          <p:cNvSpPr>
-            <a:spLocks noGrp="1"/>
-          </p:cNvSpPr>
-          <p:nvPr>
-            <p:ph idx="1"/>
-          </p:nvPr>
-        </p:nvSpPr>
-        <p:spPr/>
-        <p:txBody>
-          <a:bodyPr/>
-          <a:lstStyle/>
-          <a:p>
-            <a:pPr marL="0" indent="0">
-              <a:buNone/>
-            </a:pPr>
-            <a:r>
-              <a:rPr lang="en-US" dirty="0"/>
-              <a:t>transparent="true"</a:t>
-            </a:r>
-          </a:p>
-          <a:p>
-            <a:pPr marL="0" indent="0">
-              <a:buNone/>
-            </a:pPr>
-            <a:r>
-              <a:rPr lang="en-US" dirty="0"/>
-              <a:t>    opacity= "0.25"</a:t>
-            </a:r>
-          </a:p>
-          <a:p>
-            <a:pPr marL="0" indent="0">
-              <a:buNone/>
-            </a:pPr>
-            <a:endParaRPr lang="en-US" dirty="0"/>
-          </a:p>
-          <a:p>
-            <a:pPr marL="0" indent="0">
-              <a:buNone/>
-            </a:pPr>
-            <a:r>
-              <a:rPr lang="en-US" dirty="0"/>
-              <a:t>blending="additive"</a:t>
-            </a:r>
-          </a:p>
-          <a:p>
-            <a:pPr marL="0" indent="0">
-              <a:buNone/>
-            </a:pPr>
-            <a:r>
-              <a:rPr lang="en-US" dirty="0"/>
-              <a:t>    none, normal, additive, subtractive, or multiply</a:t>
-            </a:r>
-          </a:p>
-          <a:p>
-            <a:pPr marL="0" indent="0">
-              <a:buNone/>
-            </a:pPr>
-            <a:r>
-              <a:rPr lang="en-US" dirty="0"/>
-              <a:t>    </a:t>
-            </a:r>
-          </a:p>
-        </p:txBody>
-      </p:sp>
-    </p:spTree>
-    <p:extLst>
-      <p:ext uri="{BB962C8B-B14F-4D97-AF65-F5344CB8AC3E}">
-        <p14:creationId xmlns:p14="http://schemas.microsoft.com/office/powerpoint/2010/main" val="3495663345"/>
-      </p:ext>
-    </p:extLst>
-  </p:cSld>
-  <p:clrMapOvr>
-    <a:masterClrMapping/>
-  </p:clrMapOvr>
-</p:sld>
-</file>
-
 <file path=ppt/slides/slide9.xml><?xml version="1.0" encoding="utf-8"?>
 <p:sld xmlns:a="http://schemas.openxmlformats.org/drawingml/2006/main" xmlns:r="http://schemas.openxmlformats.org/officeDocument/2006/relationships" xmlns:p="http://schemas.openxmlformats.org/presentationml/2006/main">
   <p:cSld>
@@ -5758,7 +6004,7 @@
           <p:cNvPr id="2" name="Title 1">
             <a:extLst>
               <a:ext uri="{FF2B5EF4-FFF2-40B4-BE49-F238E27FC236}">
-                <a16:creationId xmlns:a16="http://schemas.microsoft.com/office/drawing/2014/main" id="{4EEC78BF-F581-C759-06D7-8E6620D8360D}"/>
+                <a16:creationId xmlns:a16="http://schemas.microsoft.com/office/drawing/2014/main" id="{52D9C59E-54D1-E79A-73BD-B23877E5DB57}"/>
               </a:ext>
             </a:extLst>
           </p:cNvPr>
@@ -5769,52 +6015,100 @@
             <p:ph type="title"/>
           </p:nvPr>
         </p:nvSpPr>
-        <p:spPr/>
+        <p:spPr>
+          <a:xfrm>
+            <a:off x="838200" y="354614"/>
+            <a:ext cx="10515600" cy="1325563"/>
+          </a:xfrm>
+        </p:spPr>
         <p:txBody>
           <a:bodyPr/>
           <a:lstStyle/>
           <a:p>
             <a:r>
               <a:rPr lang="en-US" dirty="0"/>
-              <a:t>Intersection</a:t>
-            </a:r>
-          </a:p>
-        </p:txBody>
-      </p:sp>
-      <p:pic>
-        <p:nvPicPr>
-          <p:cNvPr id="5" name="Picture 4">
+              <a:t>HTML/A-frame attributes</a:t>
+            </a:r>
+          </a:p>
+        </p:txBody>
+      </p:sp>
+      <p:sp>
+        <p:nvSpPr>
+          <p:cNvPr id="3" name="Content Placeholder 2">
             <a:extLst>
               <a:ext uri="{FF2B5EF4-FFF2-40B4-BE49-F238E27FC236}">
-                <a16:creationId xmlns:a16="http://schemas.microsoft.com/office/drawing/2014/main" id="{366432E9-4E9C-22B7-4D5E-8E25A20039B4}"/>
+                <a16:creationId xmlns:a16="http://schemas.microsoft.com/office/drawing/2014/main" id="{3B6497EB-7AB3-3763-A188-97A2338D1E2E}"/>
               </a:ext>
             </a:extLst>
           </p:cNvPr>
-          <p:cNvPicPr>
-            <a:picLocks noChangeAspect="1"/>
-          </p:cNvPicPr>
-          <p:nvPr/>
-        </p:nvPicPr>
-        <p:blipFill>
-          <a:blip r:embed="rId2"/>
-          <a:stretch>
-            <a:fillRect/>
-          </a:stretch>
-        </p:blipFill>
-        <p:spPr>
-          <a:xfrm>
-            <a:off x="3819327" y="2215410"/>
-            <a:ext cx="4553345" cy="2427180"/>
-          </a:xfrm>
-          <a:prstGeom prst="rect">
-            <a:avLst/>
-          </a:prstGeom>
-        </p:spPr>
-      </p:pic>
+          <p:cNvSpPr>
+            <a:spLocks noGrp="1"/>
+          </p:cNvSpPr>
+          <p:nvPr>
+            <p:ph idx="1"/>
+          </p:nvPr>
+        </p:nvSpPr>
+        <p:spPr/>
+        <p:txBody>
+          <a:bodyPr/>
+          <a:lstStyle/>
+          <a:p>
+            <a:pPr marL="0" indent="0">
+              <a:buNone/>
+            </a:pPr>
+            <a:r>
+              <a:rPr lang="en-US" dirty="0"/>
+              <a:t>transparent="true"</a:t>
+            </a:r>
+          </a:p>
+          <a:p>
+            <a:pPr marL="0" indent="0">
+              <a:buNone/>
+            </a:pPr>
+            <a:r>
+              <a:rPr lang="en-US" dirty="0"/>
+              <a:t>    opacity= "0.25"</a:t>
+            </a:r>
+          </a:p>
+          <a:p>
+            <a:pPr marL="0" indent="0">
+              <a:buNone/>
+            </a:pPr>
+            <a:endParaRPr lang="en-US" dirty="0"/>
+          </a:p>
+          <a:p>
+            <a:pPr marL="0" indent="0">
+              <a:buNone/>
+            </a:pPr>
+            <a:r>
+              <a:rPr lang="en-US" dirty="0"/>
+              <a:t>blending="additive"</a:t>
+            </a:r>
+          </a:p>
+          <a:p>
+            <a:pPr marL="0" indent="0">
+              <a:buNone/>
+            </a:pPr>
+            <a:r>
+              <a:rPr lang="en-US" dirty="0"/>
+              <a:t>    none, normal, additive, subtractive, or multiply</a:t>
+            </a:r>
+          </a:p>
+          <a:p>
+            <a:pPr marL="0" indent="0">
+              <a:buNone/>
+            </a:pPr>
+            <a:r>
+              <a:rPr lang="en-US" dirty="0"/>
+              <a:t>    </a:t>
+            </a:r>
+          </a:p>
+        </p:txBody>
+      </p:sp>
     </p:spTree>
     <p:extLst>
       <p:ext uri="{BB962C8B-B14F-4D97-AF65-F5344CB8AC3E}">
-        <p14:creationId xmlns:p14="http://schemas.microsoft.com/office/powerpoint/2010/main" val="2857207502"/>
+        <p14:creationId xmlns:p14="http://schemas.microsoft.com/office/powerpoint/2010/main" val="3495663345"/>
       </p:ext>
     </p:extLst>
   </p:cSld>

--- a/p03/A-frame-Boolean-operations.pptx
+++ b/p03/A-frame-Boolean-operations.pptx
@@ -207,7 +207,7 @@
           <a:p>
             <a:fld id="{FA1E3CD0-6E24-4AC0-945A-82AEC1490673}" type="datetimeFigureOut">
               <a:rPr lang="en-US" smtClean="0"/>
-              <a:t>10/25/2024</a:t>
+              <a:t>10/26/2024</a:t>
             </a:fld>
             <a:endParaRPr lang="en-US"/>
           </a:p>
@@ -605,7 +605,7 @@
           <a:p>
             <a:fld id="{846CE7D5-CF57-46EF-B807-FDD0502418D4}" type="datetimeFigureOut">
               <a:rPr lang="en-US" smtClean="0"/>
-              <a:t>10/25/2024</a:t>
+              <a:t>10/26/2024</a:t>
             </a:fld>
             <a:endParaRPr lang="en-US"/>
           </a:p>
@@ -775,7 +775,7 @@
           <a:p>
             <a:fld id="{846CE7D5-CF57-46EF-B807-FDD0502418D4}" type="datetimeFigureOut">
               <a:rPr lang="en-US" smtClean="0"/>
-              <a:t>10/25/2024</a:t>
+              <a:t>10/26/2024</a:t>
             </a:fld>
             <a:endParaRPr lang="en-US"/>
           </a:p>
@@ -955,7 +955,7 @@
           <a:p>
             <a:fld id="{846CE7D5-CF57-46EF-B807-FDD0502418D4}" type="datetimeFigureOut">
               <a:rPr lang="en-US" smtClean="0"/>
-              <a:t>10/25/2024</a:t>
+              <a:t>10/26/2024</a:t>
             </a:fld>
             <a:endParaRPr lang="en-US"/>
           </a:p>
@@ -1125,7 +1125,7 @@
           <a:p>
             <a:fld id="{846CE7D5-CF57-46EF-B807-FDD0502418D4}" type="datetimeFigureOut">
               <a:rPr lang="en-US" smtClean="0"/>
-              <a:t>10/25/2024</a:t>
+              <a:t>10/26/2024</a:t>
             </a:fld>
             <a:endParaRPr lang="en-US"/>
           </a:p>
@@ -1371,7 +1371,7 @@
           <a:p>
             <a:fld id="{846CE7D5-CF57-46EF-B807-FDD0502418D4}" type="datetimeFigureOut">
               <a:rPr lang="en-US" smtClean="0"/>
-              <a:t>10/25/2024</a:t>
+              <a:t>10/26/2024</a:t>
             </a:fld>
             <a:endParaRPr lang="en-US"/>
           </a:p>
@@ -1603,7 +1603,7 @@
           <a:p>
             <a:fld id="{846CE7D5-CF57-46EF-B807-FDD0502418D4}" type="datetimeFigureOut">
               <a:rPr lang="en-US" smtClean="0"/>
-              <a:t>10/25/2024</a:t>
+              <a:t>10/26/2024</a:t>
             </a:fld>
             <a:endParaRPr lang="en-US"/>
           </a:p>
@@ -1970,7 +1970,7 @@
           <a:p>
             <a:fld id="{846CE7D5-CF57-46EF-B807-FDD0502418D4}" type="datetimeFigureOut">
               <a:rPr lang="en-US" smtClean="0"/>
-              <a:t>10/25/2024</a:t>
+              <a:t>10/26/2024</a:t>
             </a:fld>
             <a:endParaRPr lang="en-US"/>
           </a:p>
@@ -2088,7 +2088,7 @@
           <a:p>
             <a:fld id="{846CE7D5-CF57-46EF-B807-FDD0502418D4}" type="datetimeFigureOut">
               <a:rPr lang="en-US" smtClean="0"/>
-              <a:t>10/25/2024</a:t>
+              <a:t>10/26/2024</a:t>
             </a:fld>
             <a:endParaRPr lang="en-US"/>
           </a:p>
@@ -2183,7 +2183,7 @@
           <a:p>
             <a:fld id="{846CE7D5-CF57-46EF-B807-FDD0502418D4}" type="datetimeFigureOut">
               <a:rPr lang="en-US" smtClean="0"/>
-              <a:t>10/25/2024</a:t>
+              <a:t>10/26/2024</a:t>
             </a:fld>
             <a:endParaRPr lang="en-US"/>
           </a:p>
@@ -2460,7 +2460,7 @@
           <a:p>
             <a:fld id="{846CE7D5-CF57-46EF-B807-FDD0502418D4}" type="datetimeFigureOut">
               <a:rPr lang="en-US" smtClean="0"/>
-              <a:t>10/25/2024</a:t>
+              <a:t>10/26/2024</a:t>
             </a:fld>
             <a:endParaRPr lang="en-US"/>
           </a:p>
@@ -2717,7 +2717,7 @@
           <a:p>
             <a:fld id="{846CE7D5-CF57-46EF-B807-FDD0502418D4}" type="datetimeFigureOut">
               <a:rPr lang="en-US" smtClean="0"/>
-              <a:t>10/25/2024</a:t>
+              <a:t>10/26/2024</a:t>
             </a:fld>
             <a:endParaRPr lang="en-US"/>
           </a:p>
@@ -2930,7 +2930,7 @@
           <a:p>
             <a:fld id="{846CE7D5-CF57-46EF-B807-FDD0502418D4}" type="datetimeFigureOut">
               <a:rPr lang="en-US" smtClean="0"/>
-              <a:t>10/25/2024</a:t>
+              <a:t>10/26/2024</a:t>
             </a:fld>
             <a:endParaRPr lang="en-US"/>
           </a:p>
@@ -5280,14 +5280,10 @@
             </a:pPr>
             <a:r>
               <a:rPr lang="en-US" dirty="0"/>
-              <a:t>	</a:t>
-            </a:r>
-            <a:r>
-              <a:rPr lang="en-US"/>
-              <a:t>color=“#</a:t>
-            </a:r>
-            <a:r>
-              <a:rPr lang="en-US">
+              <a:t>	color=“#</a:t>
+            </a:r>
+            <a:r>
+              <a:rPr lang="en-US" dirty="0">
                 <a:solidFill>
                   <a:srgbClr val="FF0000"/>
                 </a:solidFill>
@@ -5295,7 +5291,7 @@
               <a:t>FF</a:t>
             </a:r>
             <a:r>
-              <a:rPr lang="en-US">
+              <a:rPr lang="en-US" dirty="0">
                 <a:solidFill>
                   <a:srgbClr val="00B050"/>
                 </a:solidFill>
@@ -5303,7 +5299,7 @@
               <a:t>FF</a:t>
             </a:r>
             <a:r>
-              <a:rPr lang="en-US">
+              <a:rPr lang="en-US" dirty="0">
                 <a:solidFill>
                   <a:srgbClr val="0070C0"/>
                 </a:solidFill>
@@ -5311,10 +5307,9 @@
               <a:t>00</a:t>
             </a:r>
             <a:r>
-              <a:rPr lang="en-US"/>
+              <a:rPr lang="en-US" dirty="0"/>
               <a:t>”</a:t>
             </a:r>
-            <a:endParaRPr lang="en-US" dirty="0"/>
           </a:p>
           <a:p>
             <a:pPr marL="0" indent="0">

--- a/p03/A-frame-Boolean-operations.pptx
+++ b/p03/A-frame-Boolean-operations.pptx
@@ -207,7 +207,7 @@
           <a:p>
             <a:fld id="{FA1E3CD0-6E24-4AC0-945A-82AEC1490673}" type="datetimeFigureOut">
               <a:rPr lang="en-US" smtClean="0"/>
-              <a:t>10/26/2024</a:t>
+              <a:t>5/20/2025</a:t>
             </a:fld>
             <a:endParaRPr lang="en-US"/>
           </a:p>
@@ -605,7 +605,7 @@
           <a:p>
             <a:fld id="{846CE7D5-CF57-46EF-B807-FDD0502418D4}" type="datetimeFigureOut">
               <a:rPr lang="en-US" smtClean="0"/>
-              <a:t>10/26/2024</a:t>
+              <a:t>5/20/2025</a:t>
             </a:fld>
             <a:endParaRPr lang="en-US"/>
           </a:p>
@@ -775,7 +775,7 @@
           <a:p>
             <a:fld id="{846CE7D5-CF57-46EF-B807-FDD0502418D4}" type="datetimeFigureOut">
               <a:rPr lang="en-US" smtClean="0"/>
-              <a:t>10/26/2024</a:t>
+              <a:t>5/20/2025</a:t>
             </a:fld>
             <a:endParaRPr lang="en-US"/>
           </a:p>
@@ -955,7 +955,7 @@
           <a:p>
             <a:fld id="{846CE7D5-CF57-46EF-B807-FDD0502418D4}" type="datetimeFigureOut">
               <a:rPr lang="en-US" smtClean="0"/>
-              <a:t>10/26/2024</a:t>
+              <a:t>5/20/2025</a:t>
             </a:fld>
             <a:endParaRPr lang="en-US"/>
           </a:p>
@@ -1125,7 +1125,7 @@
           <a:p>
             <a:fld id="{846CE7D5-CF57-46EF-B807-FDD0502418D4}" type="datetimeFigureOut">
               <a:rPr lang="en-US" smtClean="0"/>
-              <a:t>10/26/2024</a:t>
+              <a:t>5/20/2025</a:t>
             </a:fld>
             <a:endParaRPr lang="en-US"/>
           </a:p>
@@ -1371,7 +1371,7 @@
           <a:p>
             <a:fld id="{846CE7D5-CF57-46EF-B807-FDD0502418D4}" type="datetimeFigureOut">
               <a:rPr lang="en-US" smtClean="0"/>
-              <a:t>10/26/2024</a:t>
+              <a:t>5/20/2025</a:t>
             </a:fld>
             <a:endParaRPr lang="en-US"/>
           </a:p>
@@ -1603,7 +1603,7 @@
           <a:p>
             <a:fld id="{846CE7D5-CF57-46EF-B807-FDD0502418D4}" type="datetimeFigureOut">
               <a:rPr lang="en-US" smtClean="0"/>
-              <a:t>10/26/2024</a:t>
+              <a:t>5/20/2025</a:t>
             </a:fld>
             <a:endParaRPr lang="en-US"/>
           </a:p>
@@ -1970,7 +1970,7 @@
           <a:p>
             <a:fld id="{846CE7D5-CF57-46EF-B807-FDD0502418D4}" type="datetimeFigureOut">
               <a:rPr lang="en-US" smtClean="0"/>
-              <a:t>10/26/2024</a:t>
+              <a:t>5/20/2025</a:t>
             </a:fld>
             <a:endParaRPr lang="en-US"/>
           </a:p>
@@ -2088,7 +2088,7 @@
           <a:p>
             <a:fld id="{846CE7D5-CF57-46EF-B807-FDD0502418D4}" type="datetimeFigureOut">
               <a:rPr lang="en-US" smtClean="0"/>
-              <a:t>10/26/2024</a:t>
+              <a:t>5/20/2025</a:t>
             </a:fld>
             <a:endParaRPr lang="en-US"/>
           </a:p>
@@ -2183,7 +2183,7 @@
           <a:p>
             <a:fld id="{846CE7D5-CF57-46EF-B807-FDD0502418D4}" type="datetimeFigureOut">
               <a:rPr lang="en-US" smtClean="0"/>
-              <a:t>10/26/2024</a:t>
+              <a:t>5/20/2025</a:t>
             </a:fld>
             <a:endParaRPr lang="en-US"/>
           </a:p>
@@ -2460,7 +2460,7 @@
           <a:p>
             <a:fld id="{846CE7D5-CF57-46EF-B807-FDD0502418D4}" type="datetimeFigureOut">
               <a:rPr lang="en-US" smtClean="0"/>
-              <a:t>10/26/2024</a:t>
+              <a:t>5/20/2025</a:t>
             </a:fld>
             <a:endParaRPr lang="en-US"/>
           </a:p>
@@ -2717,7 +2717,7 @@
           <a:p>
             <a:fld id="{846CE7D5-CF57-46EF-B807-FDD0502418D4}" type="datetimeFigureOut">
               <a:rPr lang="en-US" smtClean="0"/>
-              <a:t>10/26/2024</a:t>
+              <a:t>5/20/2025</a:t>
             </a:fld>
             <a:endParaRPr lang="en-US"/>
           </a:p>
@@ -2930,7 +2930,7 @@
           <a:p>
             <a:fld id="{846CE7D5-CF57-46EF-B807-FDD0502418D4}" type="datetimeFigureOut">
               <a:rPr lang="en-US" smtClean="0"/>
-              <a:t>10/26/2024</a:t>
+              <a:t>5/20/2025</a:t>
             </a:fld>
             <a:endParaRPr lang="en-US"/>
           </a:p>

--- a/p03/A-frame-Boolean-operations.pptx
+++ b/p03/A-frame-Boolean-operations.pptx
@@ -207,7 +207,7 @@
           <a:p>
             <a:fld id="{FA1E3CD0-6E24-4AC0-945A-82AEC1490673}" type="datetimeFigureOut">
               <a:rPr lang="en-US" smtClean="0"/>
-              <a:t>5/20/2025</a:t>
+              <a:t>5/30/2025</a:t>
             </a:fld>
             <a:endParaRPr lang="en-US"/>
           </a:p>
@@ -605,7 +605,7 @@
           <a:p>
             <a:fld id="{846CE7D5-CF57-46EF-B807-FDD0502418D4}" type="datetimeFigureOut">
               <a:rPr lang="en-US" smtClean="0"/>
-              <a:t>5/20/2025</a:t>
+              <a:t>5/30/2025</a:t>
             </a:fld>
             <a:endParaRPr lang="en-US"/>
           </a:p>
@@ -775,7 +775,7 @@
           <a:p>
             <a:fld id="{846CE7D5-CF57-46EF-B807-FDD0502418D4}" type="datetimeFigureOut">
               <a:rPr lang="en-US" smtClean="0"/>
-              <a:t>5/20/2025</a:t>
+              <a:t>5/30/2025</a:t>
             </a:fld>
             <a:endParaRPr lang="en-US"/>
           </a:p>
@@ -955,7 +955,7 @@
           <a:p>
             <a:fld id="{846CE7D5-CF57-46EF-B807-FDD0502418D4}" type="datetimeFigureOut">
               <a:rPr lang="en-US" smtClean="0"/>
-              <a:t>5/20/2025</a:t>
+              <a:t>5/30/2025</a:t>
             </a:fld>
             <a:endParaRPr lang="en-US"/>
           </a:p>
@@ -1125,7 +1125,7 @@
           <a:p>
             <a:fld id="{846CE7D5-CF57-46EF-B807-FDD0502418D4}" type="datetimeFigureOut">
               <a:rPr lang="en-US" smtClean="0"/>
-              <a:t>5/20/2025</a:t>
+              <a:t>5/30/2025</a:t>
             </a:fld>
             <a:endParaRPr lang="en-US"/>
           </a:p>
@@ -1371,7 +1371,7 @@
           <a:p>
             <a:fld id="{846CE7D5-CF57-46EF-B807-FDD0502418D4}" type="datetimeFigureOut">
               <a:rPr lang="en-US" smtClean="0"/>
-              <a:t>5/20/2025</a:t>
+              <a:t>5/30/2025</a:t>
             </a:fld>
             <a:endParaRPr lang="en-US"/>
           </a:p>
@@ -1603,7 +1603,7 @@
           <a:p>
             <a:fld id="{846CE7D5-CF57-46EF-B807-FDD0502418D4}" type="datetimeFigureOut">
               <a:rPr lang="en-US" smtClean="0"/>
-              <a:t>5/20/2025</a:t>
+              <a:t>5/30/2025</a:t>
             </a:fld>
             <a:endParaRPr lang="en-US"/>
           </a:p>
@@ -1970,7 +1970,7 @@
           <a:p>
             <a:fld id="{846CE7D5-CF57-46EF-B807-FDD0502418D4}" type="datetimeFigureOut">
               <a:rPr lang="en-US" smtClean="0"/>
-              <a:t>5/20/2025</a:t>
+              <a:t>5/30/2025</a:t>
             </a:fld>
             <a:endParaRPr lang="en-US"/>
           </a:p>
@@ -2088,7 +2088,7 @@
           <a:p>
             <a:fld id="{846CE7D5-CF57-46EF-B807-FDD0502418D4}" type="datetimeFigureOut">
               <a:rPr lang="en-US" smtClean="0"/>
-              <a:t>5/20/2025</a:t>
+              <a:t>5/30/2025</a:t>
             </a:fld>
             <a:endParaRPr lang="en-US"/>
           </a:p>
@@ -2183,7 +2183,7 @@
           <a:p>
             <a:fld id="{846CE7D5-CF57-46EF-B807-FDD0502418D4}" type="datetimeFigureOut">
               <a:rPr lang="en-US" smtClean="0"/>
-              <a:t>5/20/2025</a:t>
+              <a:t>5/30/2025</a:t>
             </a:fld>
             <a:endParaRPr lang="en-US"/>
           </a:p>
@@ -2460,7 +2460,7 @@
           <a:p>
             <a:fld id="{846CE7D5-CF57-46EF-B807-FDD0502418D4}" type="datetimeFigureOut">
               <a:rPr lang="en-US" smtClean="0"/>
-              <a:t>5/20/2025</a:t>
+              <a:t>5/30/2025</a:t>
             </a:fld>
             <a:endParaRPr lang="en-US"/>
           </a:p>
@@ -2717,7 +2717,7 @@
           <a:p>
             <a:fld id="{846CE7D5-CF57-46EF-B807-FDD0502418D4}" type="datetimeFigureOut">
               <a:rPr lang="en-US" smtClean="0"/>
-              <a:t>5/20/2025</a:t>
+              <a:t>5/30/2025</a:t>
             </a:fld>
             <a:endParaRPr lang="en-US"/>
           </a:p>
@@ -2930,7 +2930,7 @@
           <a:p>
             <a:fld id="{846CE7D5-CF57-46EF-B807-FDD0502418D4}" type="datetimeFigureOut">
               <a:rPr lang="en-US" smtClean="0"/>
-              <a:t>5/20/2025</a:t>
+              <a:t>5/30/2025</a:t>
             </a:fld>
             <a:endParaRPr lang="en-US"/>
           </a:p>

--- a/p03/A-frame-Boolean-operations.pptx
+++ b/p03/A-frame-Boolean-operations.pptx
@@ -207,7 +207,7 @@
           <a:p>
             <a:fld id="{FA1E3CD0-6E24-4AC0-945A-82AEC1490673}" type="datetimeFigureOut">
               <a:rPr lang="en-US" smtClean="0"/>
-              <a:t>5/30/2025</a:t>
+              <a:t>10/24/2025</a:t>
             </a:fld>
             <a:endParaRPr lang="en-US"/>
           </a:p>
@@ -605,7 +605,7 @@
           <a:p>
             <a:fld id="{846CE7D5-CF57-46EF-B807-FDD0502418D4}" type="datetimeFigureOut">
               <a:rPr lang="en-US" smtClean="0"/>
-              <a:t>5/30/2025</a:t>
+              <a:t>10/24/2025</a:t>
             </a:fld>
             <a:endParaRPr lang="en-US"/>
           </a:p>
@@ -775,7 +775,7 @@
           <a:p>
             <a:fld id="{846CE7D5-CF57-46EF-B807-FDD0502418D4}" type="datetimeFigureOut">
               <a:rPr lang="en-US" smtClean="0"/>
-              <a:t>5/30/2025</a:t>
+              <a:t>10/24/2025</a:t>
             </a:fld>
             <a:endParaRPr lang="en-US"/>
           </a:p>
@@ -955,7 +955,7 @@
           <a:p>
             <a:fld id="{846CE7D5-CF57-46EF-B807-FDD0502418D4}" type="datetimeFigureOut">
               <a:rPr lang="en-US" smtClean="0"/>
-              <a:t>5/30/2025</a:t>
+              <a:t>10/24/2025</a:t>
             </a:fld>
             <a:endParaRPr lang="en-US"/>
           </a:p>
@@ -1125,7 +1125,7 @@
           <a:p>
             <a:fld id="{846CE7D5-CF57-46EF-B807-FDD0502418D4}" type="datetimeFigureOut">
               <a:rPr lang="en-US" smtClean="0"/>
-              <a:t>5/30/2025</a:t>
+              <a:t>10/24/2025</a:t>
             </a:fld>
             <a:endParaRPr lang="en-US"/>
           </a:p>
@@ -1371,7 +1371,7 @@
           <a:p>
             <a:fld id="{846CE7D5-CF57-46EF-B807-FDD0502418D4}" type="datetimeFigureOut">
               <a:rPr lang="en-US" smtClean="0"/>
-              <a:t>5/30/2025</a:t>
+              <a:t>10/24/2025</a:t>
             </a:fld>
             <a:endParaRPr lang="en-US"/>
           </a:p>
@@ -1603,7 +1603,7 @@
           <a:p>
             <a:fld id="{846CE7D5-CF57-46EF-B807-FDD0502418D4}" type="datetimeFigureOut">
               <a:rPr lang="en-US" smtClean="0"/>
-              <a:t>5/30/2025</a:t>
+              <a:t>10/24/2025</a:t>
             </a:fld>
             <a:endParaRPr lang="en-US"/>
           </a:p>
@@ -1970,7 +1970,7 @@
           <a:p>
             <a:fld id="{846CE7D5-CF57-46EF-B807-FDD0502418D4}" type="datetimeFigureOut">
               <a:rPr lang="en-US" smtClean="0"/>
-              <a:t>5/30/2025</a:t>
+              <a:t>10/24/2025</a:t>
             </a:fld>
             <a:endParaRPr lang="en-US"/>
           </a:p>
@@ -2088,7 +2088,7 @@
           <a:p>
             <a:fld id="{846CE7D5-CF57-46EF-B807-FDD0502418D4}" type="datetimeFigureOut">
               <a:rPr lang="en-US" smtClean="0"/>
-              <a:t>5/30/2025</a:t>
+              <a:t>10/24/2025</a:t>
             </a:fld>
             <a:endParaRPr lang="en-US"/>
           </a:p>
@@ -2183,7 +2183,7 @@
           <a:p>
             <a:fld id="{846CE7D5-CF57-46EF-B807-FDD0502418D4}" type="datetimeFigureOut">
               <a:rPr lang="en-US" smtClean="0"/>
-              <a:t>5/30/2025</a:t>
+              <a:t>10/24/2025</a:t>
             </a:fld>
             <a:endParaRPr lang="en-US"/>
           </a:p>
@@ -2460,7 +2460,7 @@
           <a:p>
             <a:fld id="{846CE7D5-CF57-46EF-B807-FDD0502418D4}" type="datetimeFigureOut">
               <a:rPr lang="en-US" smtClean="0"/>
-              <a:t>5/30/2025</a:t>
+              <a:t>10/24/2025</a:t>
             </a:fld>
             <a:endParaRPr lang="en-US"/>
           </a:p>
@@ -2717,7 +2717,7 @@
           <a:p>
             <a:fld id="{846CE7D5-CF57-46EF-B807-FDD0502418D4}" type="datetimeFigureOut">
               <a:rPr lang="en-US" smtClean="0"/>
-              <a:t>5/30/2025</a:t>
+              <a:t>10/24/2025</a:t>
             </a:fld>
             <a:endParaRPr lang="en-US"/>
           </a:p>
@@ -2930,7 +2930,7 @@
           <a:p>
             <a:fld id="{846CE7D5-CF57-46EF-B807-FDD0502418D4}" type="datetimeFigureOut">
               <a:rPr lang="en-US" smtClean="0"/>
-              <a:t>5/30/2025</a:t>
+              <a:t>10/24/2025</a:t>
             </a:fld>
             <a:endParaRPr lang="en-US"/>
           </a:p>
@@ -5155,7 +5155,19 @@
             </a:pPr>
             <a:r>
               <a:rPr lang="en-US" dirty="0"/>
-              <a:t>RGB for screens – additive colors since pixels are additive</a:t>
+              <a:t>RGB for screens – </a:t>
+            </a:r>
+            <a:r>
+              <a:rPr lang="en-US" b="1" dirty="0">
+                <a:solidFill>
+                  <a:srgbClr val="FF0000"/>
+                </a:solidFill>
+              </a:rPr>
+              <a:t>additive colors </a:t>
+            </a:r>
+            <a:r>
+              <a:rPr lang="en-US" dirty="0"/>
+              <a:t>since pixels are additive</a:t>
             </a:r>
           </a:p>
           <a:p>
@@ -5170,7 +5182,15 @@
             </a:pPr>
             <a:r>
               <a:rPr lang="en-US" dirty="0"/>
-              <a:t>CMYK for physical color printing like paper –subtractive</a:t>
+              <a:t>CMYK for physical color printing like paper – </a:t>
+            </a:r>
+            <a:r>
+              <a:rPr lang="en-US" b="1" dirty="0">
+                <a:solidFill>
+                  <a:srgbClr val="FF0000"/>
+                </a:solidFill>
+              </a:rPr>
+              <a:t>subtractive</a:t>
             </a:r>
           </a:p>
           <a:p>
